--- a/ppt/ppt.pptx
+++ b/ppt/ppt.pptx
@@ -7,8 +7,19 @@
   <p:sldIdLst>
     <p:sldId id="256" r:id="rId2"/>
     <p:sldId id="257" r:id="rId3"/>
-    <p:sldId id="258" r:id="rId4"/>
-    <p:sldId id="259" r:id="rId5"/>
+    <p:sldId id="260" r:id="rId4"/>
+    <p:sldId id="266" r:id="rId5"/>
+    <p:sldId id="258" r:id="rId6"/>
+    <p:sldId id="259" r:id="rId7"/>
+    <p:sldId id="267" r:id="rId8"/>
+    <p:sldId id="261" r:id="rId9"/>
+    <p:sldId id="268" r:id="rId10"/>
+    <p:sldId id="262" r:id="rId11"/>
+    <p:sldId id="265" r:id="rId12"/>
+    <p:sldId id="263" r:id="rId13"/>
+    <p:sldId id="270" r:id="rId14"/>
+    <p:sldId id="264" r:id="rId15"/>
+    <p:sldId id="269" r:id="rId16"/>
   </p:sldIdLst>
   <p:sldSz cx="9144000" cy="6858000" type="screen4x3"/>
   <p:notesSz cx="6858000" cy="9144000"/>
@@ -326,7 +337,7 @@
           <a:p>
             <a:fld id="{D85AC8A2-C63C-49A4-89E9-2E4420D2ECA8}" type="datetimeFigureOut">
               <a:rPr lang="en-US" smtClean="0"/>
-              <a:t>16/04/17</a:t>
+              <a:t>17/04/17</a:t>
             </a:fld>
             <a:endParaRPr lang="en-US"/>
           </a:p>
@@ -788,7 +799,7 @@
           <a:p>
             <a:fld id="{D85AC8A2-C63C-49A4-89E9-2E4420D2ECA8}" type="datetimeFigureOut">
               <a:rPr lang="en-US" smtClean="0"/>
-              <a:t>16/04/17</a:t>
+              <a:t>17/04/17</a:t>
             </a:fld>
             <a:endParaRPr lang="en-US"/>
           </a:p>
@@ -1189,7 +1200,7 @@
           <a:p>
             <a:fld id="{D85AC8A2-C63C-49A4-89E9-2E4420D2ECA8}" type="datetimeFigureOut">
               <a:rPr lang="en-US" smtClean="0"/>
-              <a:t>16/04/17</a:t>
+              <a:t>17/04/17</a:t>
             </a:fld>
             <a:endParaRPr lang="en-US"/>
           </a:p>
@@ -1302,7 +1313,7 @@
           <a:p>
             <a:fld id="{D85AC8A2-C63C-49A4-89E9-2E4420D2ECA8}" type="datetimeFigureOut">
               <a:rPr lang="en-US" smtClean="0"/>
-              <a:t>16/04/17</a:t>
+              <a:t>17/04/17</a:t>
             </a:fld>
             <a:endParaRPr lang="en-US"/>
           </a:p>
@@ -1566,7 +1577,7 @@
           <a:p>
             <a:fld id="{D85AC8A2-C63C-49A4-89E9-2E4420D2ECA8}" type="datetimeFigureOut">
               <a:rPr lang="en-US" smtClean="0"/>
-              <a:t>16/04/17</a:t>
+              <a:t>17/04/17</a:t>
             </a:fld>
             <a:endParaRPr lang="en-US"/>
           </a:p>
@@ -1806,7 +1817,7 @@
           <a:p>
             <a:fld id="{D85AC8A2-C63C-49A4-89E9-2E4420D2ECA8}" type="datetimeFigureOut">
               <a:rPr lang="en-US" smtClean="0"/>
-              <a:t>16/04/17</a:t>
+              <a:t>17/04/17</a:t>
             </a:fld>
             <a:endParaRPr lang="en-US"/>
           </a:p>
@@ -2049,7 +2060,7 @@
           <a:p>
             <a:fld id="{D85AC8A2-C63C-49A4-89E9-2E4420D2ECA8}" type="datetimeFigureOut">
               <a:rPr lang="en-US" smtClean="0"/>
-              <a:t>16/04/17</a:t>
+              <a:t>17/04/17</a:t>
             </a:fld>
             <a:endParaRPr lang="en-US"/>
           </a:p>
@@ -2351,7 +2362,7 @@
           <a:p>
             <a:fld id="{D85AC8A2-C63C-49A4-89E9-2E4420D2ECA8}" type="datetimeFigureOut">
               <a:rPr lang="en-US" smtClean="0"/>
-              <a:t>16/04/17</a:t>
+              <a:t>17/04/17</a:t>
             </a:fld>
             <a:endParaRPr lang="en-US"/>
           </a:p>
@@ -2784,7 +2795,7 @@
           <a:p>
             <a:fld id="{D85AC8A2-C63C-49A4-89E9-2E4420D2ECA8}" type="datetimeFigureOut">
               <a:rPr lang="en-US" smtClean="0"/>
-              <a:t>16/04/17</a:t>
+              <a:t>17/04/17</a:t>
             </a:fld>
             <a:endParaRPr lang="en-US"/>
           </a:p>
@@ -3155,7 +3166,7 @@
           <a:p>
             <a:fld id="{D85AC8A2-C63C-49A4-89E9-2E4420D2ECA8}" type="datetimeFigureOut">
               <a:rPr lang="en-US" smtClean="0"/>
-              <a:t>16/04/17</a:t>
+              <a:t>17/04/17</a:t>
             </a:fld>
             <a:endParaRPr lang="en-US"/>
           </a:p>
@@ -3670,7 +3681,7 @@
           <a:p>
             <a:fld id="{D85AC8A2-C63C-49A4-89E9-2E4420D2ECA8}" type="datetimeFigureOut">
               <a:rPr lang="en-US" smtClean="0"/>
-              <a:t>16/04/17</a:t>
+              <a:t>17/04/17</a:t>
             </a:fld>
             <a:endParaRPr lang="en-US"/>
           </a:p>
@@ -3837,7 +3848,7 @@
           <a:p>
             <a:fld id="{D85AC8A2-C63C-49A4-89E9-2E4420D2ECA8}" type="datetimeFigureOut">
               <a:rPr lang="en-US" smtClean="0"/>
-              <a:t>16/04/17</a:t>
+              <a:t>17/04/17</a:t>
             </a:fld>
             <a:endParaRPr lang="en-US"/>
           </a:p>
@@ -4014,7 +4025,7 @@
           <a:p>
             <a:fld id="{D85AC8A2-C63C-49A4-89E9-2E4420D2ECA8}" type="datetimeFigureOut">
               <a:rPr lang="en-US" smtClean="0"/>
-              <a:t>16/04/17</a:t>
+              <a:t>17/04/17</a:t>
             </a:fld>
             <a:endParaRPr lang="en-US"/>
           </a:p>
@@ -4395,7 +4406,7 @@
           <a:p>
             <a:fld id="{D85AC8A2-C63C-49A4-89E9-2E4420D2ECA8}" type="datetimeFigureOut">
               <a:rPr lang="en-US" smtClean="0"/>
-              <a:t>16/04/17</a:t>
+              <a:t>17/04/17</a:t>
             </a:fld>
             <a:endParaRPr lang="en-US"/>
           </a:p>
@@ -4691,7 +4702,7 @@
           <a:p>
             <a:fld id="{D85AC8A2-C63C-49A4-89E9-2E4420D2ECA8}" type="datetimeFigureOut">
               <a:rPr lang="en-US" smtClean="0"/>
-              <a:t>16/04/17</a:t>
+              <a:t>17/04/17</a:t>
             </a:fld>
             <a:endParaRPr lang="en-US"/>
           </a:p>
@@ -5219,26 +5230,9 @@
           <a:lstStyle/>
           <a:p>
             <a:r>
-              <a:rPr lang="en-US" b="1" dirty="0" smtClean="0"/>
+              <a:rPr lang="en-US" sz="2400" b="1" dirty="0" smtClean="0"/>
               <a:t>Marco Santana</a:t>
             </a:r>
-          </a:p>
-          <a:p>
-            <a:r>
-              <a:rPr lang="en-US" dirty="0" smtClean="0"/>
-              <a:t>Lead Developer</a:t>
-            </a:r>
-          </a:p>
-          <a:p>
-            <a:r>
-              <a:rPr lang="en-US" dirty="0" smtClean="0"/>
-              <a:t>Portal </a:t>
-            </a:r>
-            <a:r>
-              <a:rPr lang="en-US" dirty="0" err="1" smtClean="0"/>
-              <a:t>Telemedicina</a:t>
-            </a:r>
-            <a:endParaRPr lang="en-US" dirty="0" smtClean="0"/>
           </a:p>
           <a:p>
             <a:endParaRPr lang="en-US" dirty="0"/>
@@ -5316,6 +5310,917 @@
 </p:sld>
 </file>
 
+<file path=ppt/slides/slide10.xml><?xml version="1.0" encoding="utf-8"?>
+<p:sld xmlns:a="http://schemas.openxmlformats.org/drawingml/2006/main" xmlns:r="http://schemas.openxmlformats.org/officeDocument/2006/relationships" xmlns:p="http://schemas.openxmlformats.org/presentationml/2006/main">
+  <p:cSld>
+    <p:spTree>
+      <p:nvGrpSpPr>
+        <p:cNvPr id="1" name=""/>
+        <p:cNvGrpSpPr/>
+        <p:nvPr/>
+      </p:nvGrpSpPr>
+      <p:grpSpPr>
+        <a:xfrm>
+          <a:off x="0" y="0"/>
+          <a:ext cx="0" cy="0"/>
+          <a:chOff x="0" y="0"/>
+          <a:chExt cx="0" cy="0"/>
+        </a:xfrm>
+      </p:grpSpPr>
+      <p:sp>
+        <p:nvSpPr>
+          <p:cNvPr id="2" name="Title 1"/>
+          <p:cNvSpPr>
+            <a:spLocks noGrp="1"/>
+          </p:cNvSpPr>
+          <p:nvPr>
+            <p:ph type="title"/>
+          </p:nvPr>
+        </p:nvSpPr>
+        <p:spPr/>
+        <p:txBody>
+          <a:bodyPr/>
+          <a:lstStyle/>
+          <a:p>
+            <a:r>
+              <a:rPr lang="en-US" dirty="0" err="1" smtClean="0"/>
+              <a:t>DevOPS</a:t>
+            </a:r>
+            <a:r>
+              <a:rPr lang="en-US" dirty="0" smtClean="0"/>
+              <a:t/>
+            </a:r>
+            <a:br>
+              <a:rPr lang="en-US" dirty="0" smtClean="0"/>
+            </a:br>
+            <a:endParaRPr lang="en-US" dirty="0"/>
+          </a:p>
+        </p:txBody>
+      </p:sp>
+      <p:sp>
+        <p:nvSpPr>
+          <p:cNvPr id="3" name="Content Placeholder 2"/>
+          <p:cNvSpPr>
+            <a:spLocks noGrp="1"/>
+          </p:cNvSpPr>
+          <p:nvPr>
+            <p:ph idx="1"/>
+          </p:nvPr>
+        </p:nvSpPr>
+        <p:spPr/>
+        <p:txBody>
+          <a:bodyPr/>
+          <a:lstStyle/>
+          <a:p>
+            <a:r>
+              <a:rPr lang="en-US" dirty="0" err="1" smtClean="0"/>
+              <a:t>Falar</a:t>
+            </a:r>
+            <a:r>
+              <a:rPr lang="en-US" dirty="0" smtClean="0"/>
+              <a:t> </a:t>
+            </a:r>
+            <a:r>
+              <a:rPr lang="en-US" dirty="0" err="1" smtClean="0"/>
+              <a:t>sobre</a:t>
+            </a:r>
+            <a:r>
+              <a:rPr lang="en-US" dirty="0" smtClean="0"/>
+              <a:t> </a:t>
+            </a:r>
+            <a:r>
+              <a:rPr lang="en-US" dirty="0" err="1" smtClean="0"/>
+              <a:t>coisas</a:t>
+            </a:r>
+            <a:r>
+              <a:rPr lang="en-US" dirty="0" smtClean="0"/>
+              <a:t> de </a:t>
+            </a:r>
+            <a:r>
+              <a:rPr lang="en-US" dirty="0" err="1" smtClean="0"/>
+              <a:t>devops</a:t>
+            </a:r>
+            <a:r>
+              <a:rPr lang="en-US" dirty="0" smtClean="0"/>
+              <a:t> </a:t>
+            </a:r>
+            <a:r>
+              <a:rPr lang="en-US" dirty="0" err="1" smtClean="0"/>
+              <a:t>para</a:t>
+            </a:r>
+            <a:r>
+              <a:rPr lang="en-US" dirty="0" smtClean="0"/>
+              <a:t> node</a:t>
+            </a:r>
+          </a:p>
+          <a:p>
+            <a:endParaRPr lang="en-US" dirty="0"/>
+          </a:p>
+          <a:p>
+            <a:r>
+              <a:rPr lang="en-US" dirty="0"/>
+              <a:t>Check </a:t>
+            </a:r>
+            <a:r>
+              <a:rPr lang="en-US" dirty="0">
+                <a:hlinkClick r:id="rId2"/>
+              </a:rPr>
+              <a:t>https://www.slideshare.net</a:t>
+            </a:r>
+            <a:r>
+              <a:rPr lang="en-US">
+                <a:hlinkClick r:id="rId2"/>
+              </a:rPr>
+              <a:t>/ChetanDesai20/node-summit-2016-building-your-devops-for</a:t>
+            </a:r>
+            <a:r>
+              <a:rPr lang="en-US">
+                <a:hlinkClick r:id="rId2"/>
+              </a:rPr>
+              <a:t>-</a:t>
+            </a:r>
+            <a:r>
+              <a:rPr lang="en-US" smtClean="0">
+                <a:hlinkClick r:id="rId2"/>
+              </a:rPr>
+              <a:t>nodejs</a:t>
+            </a:r>
+            <a:endParaRPr lang="en-US" smtClean="0"/>
+          </a:p>
+          <a:p>
+            <a:endParaRPr lang="en-US" dirty="0" smtClean="0"/>
+          </a:p>
+          <a:p>
+            <a:endParaRPr lang="en-US" dirty="0"/>
+          </a:p>
+          <a:p>
+            <a:r>
+              <a:rPr lang="en-US" dirty="0">
+                <a:hlinkClick r:id="rId3"/>
+              </a:rPr>
+              <a:t>https://devops.com/top-reasons-use-node-js</a:t>
+            </a:r>
+            <a:r>
+              <a:rPr lang="en-US" dirty="0" smtClean="0">
+                <a:hlinkClick r:id="rId3"/>
+              </a:rPr>
+              <a:t>/</a:t>
+            </a:r>
+            <a:endParaRPr lang="en-US" dirty="0" smtClean="0"/>
+          </a:p>
+          <a:p>
+            <a:endParaRPr lang="en-US" dirty="0"/>
+          </a:p>
+        </p:txBody>
+      </p:sp>
+    </p:spTree>
+    <p:extLst>
+      <p:ext uri="{BB962C8B-B14F-4D97-AF65-F5344CB8AC3E}">
+        <p14:creationId xmlns:p14="http://schemas.microsoft.com/office/powerpoint/2010/main" val="3034991111"/>
+      </p:ext>
+    </p:extLst>
+  </p:cSld>
+  <p:clrMapOvr>
+    <a:masterClrMapping/>
+  </p:clrMapOvr>
+</p:sld>
+</file>
+
+<file path=ppt/slides/slide11.xml><?xml version="1.0" encoding="utf-8"?>
+<p:sld xmlns:a="http://schemas.openxmlformats.org/drawingml/2006/main" xmlns:r="http://schemas.openxmlformats.org/officeDocument/2006/relationships" xmlns:p="http://schemas.openxmlformats.org/presentationml/2006/main">
+  <p:cSld>
+    <p:spTree>
+      <p:nvGrpSpPr>
+        <p:cNvPr id="1" name=""/>
+        <p:cNvGrpSpPr/>
+        <p:nvPr/>
+      </p:nvGrpSpPr>
+      <p:grpSpPr>
+        <a:xfrm>
+          <a:off x="0" y="0"/>
+          <a:ext cx="0" cy="0"/>
+          <a:chOff x="0" y="0"/>
+          <a:chExt cx="0" cy="0"/>
+        </a:xfrm>
+      </p:grpSpPr>
+      <p:sp>
+        <p:nvSpPr>
+          <p:cNvPr id="2" name="Title 1"/>
+          <p:cNvSpPr>
+            <a:spLocks noGrp="1"/>
+          </p:cNvSpPr>
+          <p:nvPr>
+            <p:ph type="title"/>
+          </p:nvPr>
+        </p:nvSpPr>
+        <p:spPr/>
+        <p:txBody>
+          <a:bodyPr/>
+          <a:lstStyle/>
+          <a:p>
+            <a:r>
+              <a:rPr lang="en-US" dirty="0" smtClean="0"/>
+              <a:t>DEVOPS</a:t>
+            </a:r>
+            <a:endParaRPr lang="en-US" dirty="0"/>
+          </a:p>
+        </p:txBody>
+      </p:sp>
+      <p:sp>
+        <p:nvSpPr>
+          <p:cNvPr id="3" name="Content Placeholder 2"/>
+          <p:cNvSpPr>
+            <a:spLocks noGrp="1"/>
+          </p:cNvSpPr>
+          <p:nvPr>
+            <p:ph idx="1"/>
+          </p:nvPr>
+        </p:nvSpPr>
+        <p:spPr/>
+        <p:txBody>
+          <a:bodyPr/>
+          <a:lstStyle/>
+          <a:p>
+            <a:r>
+              <a:rPr lang="en-US" dirty="0" smtClean="0"/>
+              <a:t>DEMO</a:t>
+            </a:r>
+          </a:p>
+          <a:p>
+            <a:pPr lvl="1"/>
+            <a:r>
+              <a:rPr lang="en-US" dirty="0" err="1" smtClean="0"/>
+              <a:t>Criar</a:t>
+            </a:r>
+            <a:r>
+              <a:rPr lang="en-US" dirty="0"/>
+              <a:t> </a:t>
+            </a:r>
+            <a:r>
+              <a:rPr lang="en-US" dirty="0" smtClean="0"/>
+              <a:t>s3bucket </a:t>
+            </a:r>
+          </a:p>
+          <a:p>
+            <a:pPr lvl="1"/>
+            <a:endParaRPr lang="en-US" dirty="0"/>
+          </a:p>
+          <a:p>
+            <a:pPr lvl="1"/>
+            <a:r>
+              <a:rPr lang="en-US" dirty="0" smtClean="0"/>
+              <a:t>Continuous Deployment</a:t>
+            </a:r>
+            <a:endParaRPr lang="en-US" dirty="0"/>
+          </a:p>
+        </p:txBody>
+      </p:sp>
+    </p:spTree>
+    <p:extLst>
+      <p:ext uri="{BB962C8B-B14F-4D97-AF65-F5344CB8AC3E}">
+        <p14:creationId xmlns:p14="http://schemas.microsoft.com/office/powerpoint/2010/main" val="3320095786"/>
+      </p:ext>
+    </p:extLst>
+  </p:cSld>
+  <p:clrMapOvr>
+    <a:masterClrMapping/>
+  </p:clrMapOvr>
+</p:sld>
+</file>
+
+<file path=ppt/slides/slide12.xml><?xml version="1.0" encoding="utf-8"?>
+<p:sld xmlns:a="http://schemas.openxmlformats.org/drawingml/2006/main" xmlns:r="http://schemas.openxmlformats.org/officeDocument/2006/relationships" xmlns:p="http://schemas.openxmlformats.org/presentationml/2006/main">
+  <p:cSld>
+    <p:spTree>
+      <p:nvGrpSpPr>
+        <p:cNvPr id="1" name=""/>
+        <p:cNvGrpSpPr/>
+        <p:nvPr/>
+      </p:nvGrpSpPr>
+      <p:grpSpPr>
+        <a:xfrm>
+          <a:off x="0" y="0"/>
+          <a:ext cx="0" cy="0"/>
+          <a:chOff x="0" y="0"/>
+          <a:chExt cx="0" cy="0"/>
+        </a:xfrm>
+      </p:grpSpPr>
+      <p:sp>
+        <p:nvSpPr>
+          <p:cNvPr id="2" name="Title 1"/>
+          <p:cNvSpPr>
+            <a:spLocks noGrp="1"/>
+          </p:cNvSpPr>
+          <p:nvPr>
+            <p:ph type="title"/>
+          </p:nvPr>
+        </p:nvSpPr>
+        <p:spPr/>
+        <p:txBody>
+          <a:bodyPr/>
+          <a:lstStyle/>
+          <a:p>
+            <a:r>
+              <a:rPr lang="en-US" dirty="0" err="1" smtClean="0"/>
+              <a:t>Apoio</a:t>
+            </a:r>
+            <a:r>
+              <a:rPr lang="en-US" dirty="0" smtClean="0"/>
+              <a:t> </a:t>
+            </a:r>
+            <a:r>
+              <a:rPr lang="en-US" dirty="0" err="1" smtClean="0"/>
+              <a:t>ao</a:t>
+            </a:r>
+            <a:r>
+              <a:rPr lang="en-US" dirty="0" smtClean="0"/>
+              <a:t> </a:t>
+            </a:r>
+            <a:r>
+              <a:rPr lang="en-US" dirty="0" err="1" smtClean="0"/>
+              <a:t>dev</a:t>
+            </a:r>
+            <a:r>
+              <a:rPr lang="en-US" dirty="0" smtClean="0"/>
+              <a:t>/designer</a:t>
+            </a:r>
+            <a:endParaRPr lang="en-US" dirty="0"/>
+          </a:p>
+        </p:txBody>
+      </p:sp>
+      <p:sp>
+        <p:nvSpPr>
+          <p:cNvPr id="3" name="Content Placeholder 2"/>
+          <p:cNvSpPr>
+            <a:spLocks noGrp="1"/>
+          </p:cNvSpPr>
+          <p:nvPr>
+            <p:ph idx="1"/>
+          </p:nvPr>
+        </p:nvSpPr>
+        <p:spPr/>
+        <p:txBody>
+          <a:bodyPr>
+            <a:normAutofit lnSpcReduction="10000"/>
+          </a:bodyPr>
+          <a:lstStyle/>
+          <a:p>
+            <a:r>
+              <a:rPr lang="en-US" dirty="0" err="1" smtClean="0"/>
+              <a:t>Dev</a:t>
+            </a:r>
+            <a:r>
+              <a:rPr lang="en-US" dirty="0" smtClean="0"/>
+              <a:t> </a:t>
+            </a:r>
+            <a:r>
+              <a:rPr lang="en-US" dirty="0" err="1" smtClean="0"/>
+              <a:t>usufrui</a:t>
+            </a:r>
+            <a:r>
+              <a:rPr lang="en-US" dirty="0" smtClean="0"/>
+              <a:t> de n </a:t>
+            </a:r>
+            <a:r>
+              <a:rPr lang="en-US" dirty="0" err="1" smtClean="0"/>
+              <a:t>vantagens</a:t>
+            </a:r>
+            <a:r>
+              <a:rPr lang="en-US" dirty="0" smtClean="0"/>
+              <a:t> </a:t>
+            </a:r>
+            <a:r>
+              <a:rPr lang="en-US" dirty="0" err="1" smtClean="0"/>
+              <a:t>hoje</a:t>
+            </a:r>
+            <a:r>
+              <a:rPr lang="en-US" dirty="0" smtClean="0"/>
+              <a:t> </a:t>
+            </a:r>
+            <a:r>
+              <a:rPr lang="en-US" dirty="0" err="1" smtClean="0"/>
+              <a:t>j</a:t>
+            </a:r>
+            <a:r>
+              <a:rPr lang="en-US" dirty="0" err="1" smtClean="0"/>
+              <a:t>á</a:t>
+            </a:r>
+            <a:endParaRPr lang="en-US" dirty="0" smtClean="0"/>
+          </a:p>
+          <a:p>
+            <a:pPr lvl="1"/>
+            <a:r>
+              <a:rPr lang="en-US" dirty="0" smtClean="0"/>
+              <a:t>Tester</a:t>
+            </a:r>
+          </a:p>
+          <a:p>
+            <a:pPr lvl="1"/>
+            <a:r>
+              <a:rPr lang="en-US" dirty="0" smtClean="0"/>
+              <a:t>Code monitors</a:t>
+            </a:r>
+          </a:p>
+          <a:p>
+            <a:pPr lvl="1"/>
+            <a:r>
+              <a:rPr lang="en-US" dirty="0" smtClean="0"/>
+              <a:t>Scaffolds (Yeoman, MEAN, </a:t>
+            </a:r>
+            <a:r>
+              <a:rPr lang="en-US" dirty="0" err="1" smtClean="0"/>
+              <a:t>HotTowel</a:t>
+            </a:r>
+            <a:r>
+              <a:rPr lang="en-US" dirty="0" smtClean="0"/>
+              <a:t>) </a:t>
+            </a:r>
+          </a:p>
+          <a:p>
+            <a:pPr lvl="1"/>
+            <a:r>
+              <a:rPr lang="en-US" dirty="0" smtClean="0"/>
+              <a:t>Bower</a:t>
+            </a:r>
+          </a:p>
+          <a:p>
+            <a:pPr lvl="1"/>
+            <a:r>
+              <a:rPr lang="en-US" dirty="0" smtClean="0"/>
+              <a:t>NPM</a:t>
+            </a:r>
+          </a:p>
+          <a:p>
+            <a:pPr lvl="1"/>
+            <a:r>
+              <a:rPr lang="en-US" dirty="0" err="1" smtClean="0"/>
+              <a:t>NodeMon</a:t>
+            </a:r>
+            <a:r>
+              <a:rPr lang="en-US" dirty="0" smtClean="0"/>
+              <a:t> </a:t>
+            </a:r>
+          </a:p>
+          <a:p>
+            <a:pPr lvl="1"/>
+            <a:endParaRPr lang="en-US" dirty="0" smtClean="0"/>
+          </a:p>
+          <a:p>
+            <a:r>
+              <a:rPr lang="en-US" dirty="0"/>
+              <a:t>Task runners </a:t>
+            </a:r>
+            <a:r>
+              <a:rPr lang="en-US" dirty="0" err="1"/>
+              <a:t>em</a:t>
+            </a:r>
+            <a:r>
+              <a:rPr lang="en-US" dirty="0"/>
+              <a:t> </a:t>
+            </a:r>
+            <a:r>
+              <a:rPr lang="en-US" dirty="0" err="1"/>
+              <a:t>geral</a:t>
+            </a:r>
+            <a:endParaRPr lang="en-US" dirty="0"/>
+          </a:p>
+          <a:p>
+            <a:r>
+              <a:rPr lang="en-US" dirty="0" err="1"/>
+              <a:t>Rotinas</a:t>
+            </a:r>
+            <a:r>
+              <a:rPr lang="en-US" dirty="0"/>
+              <a:t> de </a:t>
+            </a:r>
+            <a:r>
+              <a:rPr lang="en-US" dirty="0" err="1" smtClean="0"/>
+              <a:t>conversão</a:t>
+            </a:r>
+            <a:r>
+              <a:rPr lang="en-US" dirty="0" smtClean="0"/>
+              <a:t> </a:t>
+            </a:r>
+            <a:r>
+              <a:rPr lang="en-US" dirty="0"/>
+              <a:t>de </a:t>
+            </a:r>
+            <a:r>
+              <a:rPr lang="en-US" dirty="0" err="1"/>
+              <a:t>imagens</a:t>
+            </a:r>
+            <a:r>
+              <a:rPr lang="en-US" dirty="0"/>
+              <a:t> </a:t>
+            </a:r>
+            <a:r>
+              <a:rPr lang="en-US" dirty="0" err="1"/>
+              <a:t>em</a:t>
+            </a:r>
+            <a:r>
+              <a:rPr lang="en-US" dirty="0"/>
+              <a:t> </a:t>
+            </a:r>
+            <a:r>
+              <a:rPr lang="en-US" dirty="0" err="1" smtClean="0"/>
+              <a:t>massa</a:t>
+            </a:r>
+            <a:r>
+              <a:rPr lang="en-US" dirty="0" smtClean="0"/>
+              <a:t> (???)</a:t>
+            </a:r>
+            <a:endParaRPr lang="en-US" dirty="0"/>
+          </a:p>
+          <a:p>
+            <a:endParaRPr lang="en-US" dirty="0"/>
+          </a:p>
+          <a:p>
+            <a:pPr lvl="1"/>
+            <a:endParaRPr lang="en-US" dirty="0" smtClean="0"/>
+          </a:p>
+          <a:p>
+            <a:pPr marL="282575" lvl="1" indent="0">
+              <a:buNone/>
+            </a:pPr>
+            <a:endParaRPr lang="en-US" dirty="0" smtClean="0"/>
+          </a:p>
+          <a:p>
+            <a:pPr lvl="1"/>
+            <a:endParaRPr lang="en-US" dirty="0" smtClean="0"/>
+          </a:p>
+        </p:txBody>
+      </p:sp>
+    </p:spTree>
+    <p:extLst>
+      <p:ext uri="{BB962C8B-B14F-4D97-AF65-F5344CB8AC3E}">
+        <p14:creationId xmlns:p14="http://schemas.microsoft.com/office/powerpoint/2010/main" val="2863402974"/>
+      </p:ext>
+    </p:extLst>
+  </p:cSld>
+  <p:clrMapOvr>
+    <a:masterClrMapping/>
+  </p:clrMapOvr>
+</p:sld>
+</file>
+
+<file path=ppt/slides/slide13.xml><?xml version="1.0" encoding="utf-8"?>
+<p:sld xmlns:a="http://schemas.openxmlformats.org/drawingml/2006/main" xmlns:r="http://schemas.openxmlformats.org/officeDocument/2006/relationships" xmlns:p="http://schemas.openxmlformats.org/presentationml/2006/main">
+  <p:cSld>
+    <p:spTree>
+      <p:nvGrpSpPr>
+        <p:cNvPr id="1" name=""/>
+        <p:cNvGrpSpPr/>
+        <p:nvPr/>
+      </p:nvGrpSpPr>
+      <p:grpSpPr>
+        <a:xfrm>
+          <a:off x="0" y="0"/>
+          <a:ext cx="0" cy="0"/>
+          <a:chOff x="0" y="0"/>
+          <a:chExt cx="0" cy="0"/>
+        </a:xfrm>
+      </p:grpSpPr>
+      <p:sp>
+        <p:nvSpPr>
+          <p:cNvPr id="2" name="Title 1"/>
+          <p:cNvSpPr>
+            <a:spLocks noGrp="1"/>
+          </p:cNvSpPr>
+          <p:nvPr>
+            <p:ph type="title"/>
+          </p:nvPr>
+        </p:nvSpPr>
+        <p:spPr/>
+        <p:txBody>
+          <a:bodyPr/>
+          <a:lstStyle/>
+          <a:p>
+            <a:r>
+              <a:rPr lang="en-US" sz="4400" dirty="0" smtClean="0"/>
+              <a:t>Demo </a:t>
+            </a:r>
+            <a:r>
+              <a:rPr lang="en-US" sz="4400" dirty="0" err="1" smtClean="0"/>
+              <a:t>dev</a:t>
+            </a:r>
+            <a:endParaRPr lang="en-US" sz="4400" dirty="0"/>
+          </a:p>
+        </p:txBody>
+      </p:sp>
+      <p:sp>
+        <p:nvSpPr>
+          <p:cNvPr id="3" name="Content Placeholder 2"/>
+          <p:cNvSpPr>
+            <a:spLocks noGrp="1"/>
+          </p:cNvSpPr>
+          <p:nvPr>
+            <p:ph idx="1"/>
+          </p:nvPr>
+        </p:nvSpPr>
+        <p:spPr/>
+        <p:txBody>
+          <a:bodyPr/>
+          <a:lstStyle/>
+          <a:p>
+            <a:r>
+              <a:rPr lang="en-US" dirty="0"/>
+              <a:t>Subset </a:t>
+            </a:r>
+            <a:r>
+              <a:rPr lang="en-US" dirty="0" err="1"/>
+              <a:t>instalador</a:t>
+            </a:r>
+            <a:r>
+              <a:rPr lang="en-US" dirty="0"/>
+              <a:t>/</a:t>
+            </a:r>
+            <a:r>
+              <a:rPr lang="en-US" dirty="0" smtClean="0"/>
+              <a:t>e4e5</a:t>
+            </a:r>
+          </a:p>
+        </p:txBody>
+      </p:sp>
+    </p:spTree>
+    <p:extLst>
+      <p:ext uri="{BB962C8B-B14F-4D97-AF65-F5344CB8AC3E}">
+        <p14:creationId xmlns:p14="http://schemas.microsoft.com/office/powerpoint/2010/main" val="2028357157"/>
+      </p:ext>
+    </p:extLst>
+  </p:cSld>
+  <p:clrMapOvr>
+    <a:masterClrMapping/>
+  </p:clrMapOvr>
+</p:sld>
+</file>
+
+<file path=ppt/slides/slide14.xml><?xml version="1.0" encoding="utf-8"?>
+<p:sld xmlns:a="http://schemas.openxmlformats.org/drawingml/2006/main" xmlns:r="http://schemas.openxmlformats.org/officeDocument/2006/relationships" xmlns:p="http://schemas.openxmlformats.org/presentationml/2006/main">
+  <p:cSld>
+    <p:spTree>
+      <p:nvGrpSpPr>
+        <p:cNvPr id="1" name=""/>
+        <p:cNvGrpSpPr/>
+        <p:nvPr/>
+      </p:nvGrpSpPr>
+      <p:grpSpPr>
+        <a:xfrm>
+          <a:off x="0" y="0"/>
+          <a:ext cx="0" cy="0"/>
+          <a:chOff x="0" y="0"/>
+          <a:chExt cx="0" cy="0"/>
+        </a:xfrm>
+      </p:grpSpPr>
+      <p:sp>
+        <p:nvSpPr>
+          <p:cNvPr id="2" name="Title 1"/>
+          <p:cNvSpPr>
+            <a:spLocks noGrp="1"/>
+          </p:cNvSpPr>
+          <p:nvPr>
+            <p:ph type="title"/>
+          </p:nvPr>
+        </p:nvSpPr>
+        <p:spPr/>
+        <p:txBody>
+          <a:bodyPr/>
+          <a:lstStyle/>
+          <a:p>
+            <a:r>
+              <a:rPr lang="en-US" sz="4000" dirty="0"/>
+              <a:t>Application </a:t>
+            </a:r>
+            <a:r>
+              <a:rPr lang="en-US" sz="4000" dirty="0" smtClean="0"/>
+              <a:t>AND </a:t>
+            </a:r>
+            <a:r>
+              <a:rPr lang="en-US" sz="4000" dirty="0"/>
+              <a:t>integration </a:t>
+            </a:r>
+            <a:r>
+              <a:rPr lang="en-US" sz="4000" dirty="0" smtClean="0"/>
+              <a:t>server</a:t>
+            </a:r>
+            <a:endParaRPr lang="en-US" sz="4000" dirty="0"/>
+          </a:p>
+        </p:txBody>
+      </p:sp>
+      <p:sp>
+        <p:nvSpPr>
+          <p:cNvPr id="3" name="Content Placeholder 2"/>
+          <p:cNvSpPr>
+            <a:spLocks noGrp="1"/>
+          </p:cNvSpPr>
+          <p:nvPr>
+            <p:ph idx="1"/>
+          </p:nvPr>
+        </p:nvSpPr>
+        <p:spPr/>
+        <p:txBody>
+          <a:bodyPr/>
+          <a:lstStyle/>
+          <a:p>
+            <a:r>
+              <a:rPr lang="en-US" dirty="0" smtClean="0"/>
+              <a:t>Ideal </a:t>
+            </a:r>
+            <a:r>
+              <a:rPr lang="en-US" dirty="0" err="1" smtClean="0"/>
+              <a:t>para</a:t>
+            </a:r>
+            <a:endParaRPr lang="en-US" dirty="0" smtClean="0"/>
+          </a:p>
+          <a:p>
+            <a:pPr lvl="1"/>
+            <a:r>
+              <a:rPr lang="en-US" dirty="0" err="1" smtClean="0"/>
+              <a:t>integrar</a:t>
+            </a:r>
+            <a:r>
+              <a:rPr lang="en-US" dirty="0" smtClean="0"/>
+              <a:t> </a:t>
+            </a:r>
+            <a:r>
+              <a:rPr lang="en-US" dirty="0" err="1" smtClean="0"/>
+              <a:t>sistemas</a:t>
+            </a:r>
+            <a:endParaRPr lang="en-US" dirty="0" smtClean="0"/>
+          </a:p>
+          <a:p>
+            <a:pPr lvl="1"/>
+            <a:r>
+              <a:rPr lang="en-US" dirty="0" err="1"/>
+              <a:t>e</a:t>
+            </a:r>
+            <a:r>
+              <a:rPr lang="en-US" dirty="0" err="1" smtClean="0"/>
+              <a:t>screver</a:t>
+            </a:r>
+            <a:r>
+              <a:rPr lang="en-US" dirty="0" smtClean="0"/>
+              <a:t> </a:t>
+            </a:r>
+            <a:r>
+              <a:rPr lang="en-US" dirty="0" err="1" smtClean="0"/>
+              <a:t>Rob</a:t>
+            </a:r>
+            <a:r>
+              <a:rPr lang="en-US" dirty="0" err="1" smtClean="0"/>
+              <a:t>ô</a:t>
+            </a:r>
+            <a:r>
+              <a:rPr lang="en-US" dirty="0" err="1" smtClean="0"/>
+              <a:t>s</a:t>
+            </a:r>
+            <a:r>
+              <a:rPr lang="en-US" dirty="0" smtClean="0"/>
+              <a:t> </a:t>
+            </a:r>
+          </a:p>
+          <a:p>
+            <a:pPr lvl="1"/>
+            <a:r>
+              <a:rPr lang="en-US" dirty="0" smtClean="0"/>
+              <a:t>Crawlers</a:t>
+            </a:r>
+          </a:p>
+          <a:p>
+            <a:pPr lvl="1"/>
+            <a:endParaRPr lang="en-US" dirty="0" smtClean="0"/>
+          </a:p>
+          <a:p>
+            <a:endParaRPr lang="en-US" dirty="0"/>
+          </a:p>
+        </p:txBody>
+      </p:sp>
+    </p:spTree>
+    <p:extLst>
+      <p:ext uri="{BB962C8B-B14F-4D97-AF65-F5344CB8AC3E}">
+        <p14:creationId xmlns:p14="http://schemas.microsoft.com/office/powerpoint/2010/main" val="3137977655"/>
+      </p:ext>
+    </p:extLst>
+  </p:cSld>
+  <p:clrMapOvr>
+    <a:masterClrMapping/>
+  </p:clrMapOvr>
+</p:sld>
+</file>
+
+<file path=ppt/slides/slide15.xml><?xml version="1.0" encoding="utf-8"?>
+<p:sld xmlns:a="http://schemas.openxmlformats.org/drawingml/2006/main" xmlns:r="http://schemas.openxmlformats.org/officeDocument/2006/relationships" xmlns:p="http://schemas.openxmlformats.org/presentationml/2006/main">
+  <p:cSld>
+    <p:spTree>
+      <p:nvGrpSpPr>
+        <p:cNvPr id="1" name=""/>
+        <p:cNvGrpSpPr/>
+        <p:nvPr/>
+      </p:nvGrpSpPr>
+      <p:grpSpPr>
+        <a:xfrm>
+          <a:off x="0" y="0"/>
+          <a:ext cx="0" cy="0"/>
+          <a:chOff x="0" y="0"/>
+          <a:chExt cx="0" cy="0"/>
+        </a:xfrm>
+      </p:grpSpPr>
+      <p:sp>
+        <p:nvSpPr>
+          <p:cNvPr id="2" name="Title 1"/>
+          <p:cNvSpPr>
+            <a:spLocks noGrp="1"/>
+          </p:cNvSpPr>
+          <p:nvPr>
+            <p:ph type="title"/>
+          </p:nvPr>
+        </p:nvSpPr>
+        <p:spPr/>
+        <p:txBody>
+          <a:bodyPr/>
+          <a:lstStyle/>
+          <a:p>
+            <a:r>
+              <a:rPr lang="en-US" dirty="0" smtClean="0"/>
+              <a:t>END</a:t>
+            </a:r>
+            <a:endParaRPr lang="en-US" dirty="0"/>
+          </a:p>
+        </p:txBody>
+      </p:sp>
+      <p:sp>
+        <p:nvSpPr>
+          <p:cNvPr id="3" name="Content Placeholder 2"/>
+          <p:cNvSpPr>
+            <a:spLocks noGrp="1"/>
+          </p:cNvSpPr>
+          <p:nvPr>
+            <p:ph idx="1"/>
+          </p:nvPr>
+        </p:nvSpPr>
+        <p:spPr/>
+        <p:txBody>
+          <a:bodyPr/>
+          <a:lstStyle/>
+          <a:p>
+            <a:r>
+              <a:rPr lang="en-US" dirty="0" smtClean="0"/>
+              <a:t>Thanks for staying</a:t>
+            </a:r>
+          </a:p>
+          <a:p>
+            <a:endParaRPr lang="en-US" dirty="0"/>
+          </a:p>
+          <a:p>
+            <a:pPr lvl="1"/>
+            <a:r>
+              <a:rPr lang="en-US" dirty="0">
+                <a:hlinkClick r:id="rId2"/>
+              </a:rPr>
+              <a:t>https://github.com/marcosantana77/node-</a:t>
+            </a:r>
+            <a:r>
+              <a:rPr lang="en-US" dirty="0" smtClean="0">
+                <a:hlinkClick r:id="rId2"/>
+              </a:rPr>
+              <a:t>everywhere</a:t>
+            </a:r>
+            <a:endParaRPr lang="en-US" dirty="0" smtClean="0"/>
+          </a:p>
+          <a:p>
+            <a:pPr lvl="2"/>
+            <a:r>
+              <a:rPr lang="en-US" dirty="0" err="1" smtClean="0"/>
+              <a:t>C</a:t>
+            </a:r>
+            <a:r>
+              <a:rPr lang="en-US" dirty="0" err="1" smtClean="0"/>
+              <a:t>ódigo</a:t>
+            </a:r>
+            <a:endParaRPr lang="en-US" dirty="0" smtClean="0"/>
+          </a:p>
+          <a:p>
+            <a:pPr lvl="2"/>
+            <a:r>
+              <a:rPr lang="en-US" dirty="0" err="1" smtClean="0"/>
+              <a:t>PPTx</a:t>
+            </a:r>
+            <a:endParaRPr lang="en-US" dirty="0"/>
+          </a:p>
+        </p:txBody>
+      </p:sp>
+    </p:spTree>
+    <p:extLst>
+      <p:ext uri="{BB962C8B-B14F-4D97-AF65-F5344CB8AC3E}">
+        <p14:creationId xmlns:p14="http://schemas.microsoft.com/office/powerpoint/2010/main" val="3406429426"/>
+      </p:ext>
+    </p:extLst>
+  </p:cSld>
+  <p:clrMapOvr>
+    <a:masterClrMapping/>
+  </p:clrMapOvr>
+</p:sld>
+</file>
+
 <file path=ppt/slides/slide2.xml><?xml version="1.0" encoding="utf-8"?>
 <p:sld xmlns:a="http://schemas.openxmlformats.org/drawingml/2006/main" xmlns:r="http://schemas.openxmlformats.org/officeDocument/2006/relationships" xmlns:p="http://schemas.openxmlformats.org/presentationml/2006/main">
   <p:cSld>
@@ -5373,7 +6278,17 @@
           <a:p>
             <a:r>
               <a:rPr lang="en-US" dirty="0" smtClean="0"/>
-              <a:t>End points</a:t>
+              <a:t>Everywhere where exactly ? </a:t>
+            </a:r>
+          </a:p>
+          <a:p>
+            <a:r>
+              <a:rPr lang="en-US" dirty="0" smtClean="0"/>
+              <a:t>End </a:t>
+            </a:r>
+            <a:r>
+              <a:rPr lang="en-US" dirty="0" smtClean="0"/>
+              <a:t>points</a:t>
             </a:r>
           </a:p>
           <a:p>
@@ -5418,11 +6333,7 @@
             </a:r>
             <a:r>
               <a:rPr lang="en-US" dirty="0" err="1" smtClean="0"/>
-              <a:t>administra</a:t>
-            </a:r>
-            <a:r>
-              <a:rPr lang="en-US" dirty="0" err="1" smtClean="0"/>
-              <a:t>ção</a:t>
+              <a:t>administração</a:t>
             </a:r>
             <a:r>
               <a:rPr lang="en-US" dirty="0" smtClean="0"/>
@@ -5471,11 +6382,11 @@
             </a:r>
             <a:r>
               <a:rPr lang="en-US" dirty="0" err="1" smtClean="0"/>
-              <a:t>yo</a:t>
-            </a:r>
-            <a:r>
-              <a:rPr lang="en-US" dirty="0" smtClean="0"/>
-              <a:t>, </a:t>
+              <a:t>Yoeman</a:t>
+            </a:r>
+            <a:r>
+              <a:rPr lang="en-US" dirty="0" smtClean="0"/>
+              <a:t>, Gulp, Grunt, Karma, Jasmine, </a:t>
             </a:r>
             <a:r>
               <a:rPr lang="en-US" dirty="0" err="1" smtClean="0"/>
@@ -5503,7 +6414,7 @@
 </file>
 
 <file path=ppt/slides/slide3.xml><?xml version="1.0" encoding="utf-8"?>
-<p:sld xmlns:a="http://schemas.openxmlformats.org/drawingml/2006/main" xmlns:r="http://schemas.openxmlformats.org/officeDocument/2006/relationships" xmlns:p="http://schemas.openxmlformats.org/presentationml/2006/main">
+<p:sld xmlns:a="http://schemas.openxmlformats.org/drawingml/2006/main" xmlns:r="http://schemas.openxmlformats.org/officeDocument/2006/relationships" xmlns:p="http://schemas.openxmlformats.org/presentationml/2006/main" show="0">
   <p:cSld>
     <p:spTree>
       <p:nvGrpSpPr>
@@ -5536,7 +6447,59 @@
           <a:p>
             <a:r>
               <a:rPr lang="en-US" dirty="0" err="1" smtClean="0"/>
-              <a:t>Usos</a:t>
+              <a:t>Experi</a:t>
+            </a:r>
+            <a:r>
+              <a:rPr lang="en-US" dirty="0" err="1" smtClean="0"/>
+              <a:t>ência</a:t>
+            </a:r>
+            <a:endParaRPr lang="en-US" dirty="0"/>
+          </a:p>
+        </p:txBody>
+      </p:sp>
+      <p:sp>
+        <p:nvSpPr>
+          <p:cNvPr id="3" name="Content Placeholder 2"/>
+          <p:cNvSpPr>
+            <a:spLocks noGrp="1"/>
+          </p:cNvSpPr>
+          <p:nvPr>
+            <p:ph idx="1"/>
+          </p:nvPr>
+        </p:nvSpPr>
+        <p:spPr/>
+        <p:txBody>
+          <a:bodyPr>
+            <a:normAutofit lnSpcReduction="10000"/>
+          </a:bodyPr>
+          <a:lstStyle/>
+          <a:p>
+            <a:r>
+              <a:rPr lang="en-US" dirty="0" smtClean="0"/>
+              <a:t>20 </a:t>
+            </a:r>
+            <a:r>
+              <a:rPr lang="en-US" dirty="0" err="1" smtClean="0"/>
+              <a:t>anos</a:t>
+            </a:r>
+            <a:r>
+              <a:rPr lang="en-US" dirty="0" smtClean="0"/>
+              <a:t> no </a:t>
+            </a:r>
+            <a:r>
+              <a:rPr lang="en-US" dirty="0" err="1" smtClean="0"/>
+              <a:t>c</a:t>
+            </a:r>
+            <a:r>
+              <a:rPr lang="en-US" dirty="0" err="1" smtClean="0"/>
+              <a:t>ódigo</a:t>
+            </a:r>
+            <a:endParaRPr lang="en-US" dirty="0" smtClean="0"/>
+          </a:p>
+          <a:p>
+            <a:r>
+              <a:rPr lang="en-US" dirty="0" err="1" smtClean="0"/>
+              <a:t>Sem</a:t>
             </a:r>
             <a:r>
               <a:rPr lang="en-US" dirty="0" smtClean="0"/>
@@ -5544,85 +6507,159 @@
             </a:r>
             <a:r>
               <a:rPr lang="en-US" dirty="0" err="1" smtClean="0"/>
-              <a:t>gerais</a:t>
-            </a:r>
-            <a:endParaRPr lang="en-US" dirty="0"/>
-          </a:p>
-        </p:txBody>
-      </p:sp>
-      <p:sp>
-        <p:nvSpPr>
-          <p:cNvPr id="3" name="Content Placeholder 2"/>
-          <p:cNvSpPr>
-            <a:spLocks noGrp="1"/>
-          </p:cNvSpPr>
-          <p:nvPr>
-            <p:ph idx="1"/>
-          </p:nvPr>
-        </p:nvSpPr>
-        <p:spPr/>
-        <p:txBody>
-          <a:bodyPr/>
-          <a:lstStyle/>
-          <a:p>
-            <a:r>
-              <a:rPr lang="en-US" dirty="0" smtClean="0"/>
-              <a:t>Web Server </a:t>
+              <a:t>formação</a:t>
+            </a:r>
+            <a:r>
+              <a:rPr lang="en-US" dirty="0" smtClean="0"/>
+              <a:t> </a:t>
+            </a:r>
+            <a:r>
+              <a:rPr lang="en-US" dirty="0" err="1" smtClean="0"/>
+              <a:t>acadêmica</a:t>
+            </a:r>
+            <a:endParaRPr lang="en-US" dirty="0" smtClean="0"/>
+          </a:p>
+          <a:p>
+            <a:r>
+              <a:rPr lang="en-US" dirty="0" smtClean="0"/>
+              <a:t>7 </a:t>
+            </a:r>
+            <a:r>
+              <a:rPr lang="en-US" dirty="0" err="1" smtClean="0"/>
+              <a:t>anos</a:t>
+            </a:r>
+            <a:r>
+              <a:rPr lang="en-US" dirty="0" smtClean="0"/>
+              <a:t> </a:t>
+            </a:r>
+            <a:r>
+              <a:rPr lang="en-US" dirty="0" err="1" smtClean="0"/>
+              <a:t>suporte</a:t>
+            </a:r>
+            <a:r>
+              <a:rPr lang="en-US" dirty="0" smtClean="0"/>
+              <a:t> a </a:t>
+            </a:r>
+            <a:r>
+              <a:rPr lang="en-US" dirty="0" err="1" smtClean="0"/>
+              <a:t>desenvolvimento</a:t>
+            </a:r>
+            <a:r>
+              <a:rPr lang="en-US" dirty="0" smtClean="0"/>
+              <a:t> Microsoft </a:t>
+            </a:r>
+            <a:r>
+              <a:rPr lang="en-US" dirty="0" err="1" smtClean="0"/>
+              <a:t>Brasil</a:t>
+            </a:r>
+            <a:endParaRPr lang="en-US" dirty="0" smtClean="0"/>
+          </a:p>
+          <a:p>
+            <a:r>
+              <a:rPr lang="en-US" dirty="0" err="1" smtClean="0"/>
+              <a:t>Trabalhando</a:t>
+            </a:r>
+            <a:r>
+              <a:rPr lang="en-US" dirty="0" smtClean="0"/>
+              <a:t> com Node </a:t>
+            </a:r>
+            <a:r>
+              <a:rPr lang="en-US" dirty="0" err="1" smtClean="0"/>
+              <a:t>desde</a:t>
+            </a:r>
+            <a:r>
+              <a:rPr lang="en-US" dirty="0" smtClean="0"/>
+              <a:t> 0.10x</a:t>
+            </a:r>
+          </a:p>
+          <a:p>
+            <a:r>
+              <a:rPr lang="en-US" dirty="0" err="1" smtClean="0"/>
+              <a:t>Atualmente</a:t>
+            </a:r>
+            <a:r>
+              <a:rPr lang="en-US" dirty="0" smtClean="0"/>
+              <a:t> Lead </a:t>
+            </a:r>
+            <a:r>
+              <a:rPr lang="en-US" dirty="0" err="1" smtClean="0"/>
+              <a:t>Dev</a:t>
+            </a:r>
+            <a:r>
+              <a:rPr lang="en-US" dirty="0" smtClean="0"/>
+              <a:t> &amp; </a:t>
+            </a:r>
+            <a:r>
+              <a:rPr lang="en-US" dirty="0" err="1" smtClean="0"/>
+              <a:t>DevOps</a:t>
+            </a:r>
+            <a:r>
+              <a:rPr lang="en-US" dirty="0" smtClean="0"/>
+              <a:t> Portal </a:t>
+            </a:r>
+            <a:r>
+              <a:rPr lang="en-US" dirty="0" err="1" smtClean="0"/>
+              <a:t>Telemedicina</a:t>
+            </a:r>
+            <a:endParaRPr lang="en-US" dirty="0" smtClean="0"/>
+          </a:p>
+          <a:p>
+            <a:r>
+              <a:rPr lang="en-US" dirty="0" err="1" smtClean="0"/>
+              <a:t>Contribuinte</a:t>
+            </a:r>
+            <a:r>
+              <a:rPr lang="en-US" dirty="0" smtClean="0"/>
+              <a:t> </a:t>
+            </a:r>
+            <a:r>
+              <a:rPr lang="en-US" dirty="0" err="1" smtClean="0"/>
+              <a:t>comunit</a:t>
+            </a:r>
+            <a:r>
+              <a:rPr lang="en-US" dirty="0" err="1" smtClean="0"/>
+              <a:t>ário</a:t>
+            </a:r>
+            <a:r>
+              <a:rPr lang="en-US" dirty="0" smtClean="0"/>
+              <a:t> </a:t>
+            </a:r>
+            <a:r>
+              <a:rPr lang="en-US" dirty="0" err="1" smtClean="0"/>
+              <a:t>fraco</a:t>
+            </a:r>
+            <a:r>
+              <a:rPr lang="en-US" dirty="0" smtClean="0"/>
+              <a:t> </a:t>
             </a:r>
           </a:p>
           <a:p>
             <a:pPr lvl="1"/>
             <a:r>
-              <a:rPr lang="en-US" dirty="0" smtClean="0"/>
-              <a:t>Express</a:t>
+              <a:rPr lang="en-US" dirty="0">
+                <a:hlinkClick r:id="rId2"/>
+              </a:rPr>
+              <a:t>https://github.com/</a:t>
+            </a:r>
+            <a:r>
+              <a:rPr lang="en-US" dirty="0" smtClean="0">
+                <a:hlinkClick r:id="rId2"/>
+              </a:rPr>
+              <a:t>marcosantana77</a:t>
+            </a:r>
+            <a:r>
+              <a:rPr lang="en-US" dirty="0" smtClean="0"/>
+              <a:t> </a:t>
             </a:r>
           </a:p>
           <a:p>
             <a:pPr lvl="1"/>
             <a:r>
-              <a:rPr lang="en-US" dirty="0" err="1" smtClean="0"/>
-              <a:t>Restify</a:t>
-            </a:r>
-            <a:endParaRPr lang="en-US" dirty="0" smtClean="0"/>
-          </a:p>
-          <a:p>
-            <a:pPr lvl="1"/>
-            <a:r>
-              <a:rPr lang="en-US" dirty="0" smtClean="0"/>
-              <a:t>Koa</a:t>
-            </a:r>
-          </a:p>
-          <a:p>
-            <a:pPr lvl="1"/>
-            <a:r>
-              <a:rPr lang="en-US" dirty="0" err="1" smtClean="0"/>
-              <a:t>Hapi</a:t>
-            </a:r>
-            <a:endParaRPr lang="en-US" dirty="0" smtClean="0"/>
-          </a:p>
-          <a:p>
-            <a:r>
-              <a:rPr lang="en-US" dirty="0" smtClean="0"/>
-              <a:t>Static Web Server</a:t>
-            </a:r>
-          </a:p>
-          <a:p>
-            <a:pPr lvl="1"/>
-            <a:r>
-              <a:rPr lang="en-US" dirty="0" smtClean="0"/>
-              <a:t>http-serve(r)</a:t>
-            </a:r>
-          </a:p>
-          <a:p>
-            <a:pPr lvl="1"/>
-            <a:r>
-              <a:rPr lang="en-US" dirty="0" err="1" smtClean="0"/>
-              <a:t>nodemon</a:t>
-            </a:r>
-            <a:endParaRPr lang="en-US" dirty="0" smtClean="0"/>
-          </a:p>
-          <a:p>
-            <a:pPr lvl="1"/>
+              <a:rPr lang="en-US" dirty="0" smtClean="0"/>
+              <a:t>Looking for tips</a:t>
+            </a:r>
+          </a:p>
+          <a:p>
             <a:endParaRPr lang="en-US" dirty="0"/>
           </a:p>
         </p:txBody>
@@ -5630,13 +6667,21 @@
     </p:spTree>
     <p:extLst>
       <p:ext uri="{BB962C8B-B14F-4D97-AF65-F5344CB8AC3E}">
-        <p14:creationId xmlns:p14="http://schemas.microsoft.com/office/powerpoint/2010/main" val="1850803355"/>
+        <p14:creationId xmlns:p14="http://schemas.microsoft.com/office/powerpoint/2010/main" val="3438883687"/>
       </p:ext>
     </p:extLst>
   </p:cSld>
   <p:clrMapOvr>
     <a:masterClrMapping/>
   </p:clrMapOvr>
+  <mc:AlternateContent xmlns:mc="http://schemas.openxmlformats.org/markup-compatibility/2006">
+    <mc:Choice xmlns:p14="http://schemas.microsoft.com/office/powerpoint/2010/main" Requires="p14">
+      <p:transition spd="slow" p14:dur="2000"/>
+    </mc:Choice>
+    <mc:Fallback>
+      <p:transition xmlns:p14="http://schemas.microsoft.com/office/powerpoint/2010/main" spd="slow"/>
+    </mc:Fallback>
+  </mc:AlternateContent>
 </p:sld>
 </file>
 
@@ -5674,7 +6719,7 @@
           <a:p>
             <a:r>
               <a:rPr lang="en-US" dirty="0" smtClean="0"/>
-              <a:t>Web servers</a:t>
+              <a:t>Where Exactly ? </a:t>
             </a:r>
             <a:endParaRPr lang="en-US" dirty="0"/>
           </a:p>
@@ -5697,6 +6742,306 @@
           <a:p>
             <a:r>
               <a:rPr lang="en-US" dirty="0" smtClean="0"/>
+              <a:t>Cases</a:t>
+            </a:r>
+          </a:p>
+          <a:p>
+            <a:pPr lvl="1"/>
+            <a:r>
+              <a:rPr lang="en-US" dirty="0" err="1" smtClean="0"/>
+              <a:t>Bla</a:t>
+            </a:r>
+            <a:r>
+              <a:rPr lang="en-US" dirty="0" smtClean="0"/>
+              <a:t> </a:t>
+            </a:r>
+            <a:r>
+              <a:rPr lang="en-US" dirty="0" err="1" smtClean="0"/>
+              <a:t>bla</a:t>
+            </a:r>
+            <a:r>
+              <a:rPr lang="en-US" dirty="0" smtClean="0"/>
+              <a:t> </a:t>
+            </a:r>
+            <a:r>
+              <a:rPr lang="en-US" dirty="0" err="1" smtClean="0"/>
+              <a:t>bla</a:t>
+            </a:r>
+            <a:r>
+              <a:rPr lang="en-US" dirty="0" smtClean="0"/>
+              <a:t> cases </a:t>
+            </a:r>
+          </a:p>
+          <a:p>
+            <a:pPr lvl="1"/>
+            <a:r>
+              <a:rPr lang="en-US" dirty="0" err="1" smtClean="0"/>
+              <a:t>Uber</a:t>
+            </a:r>
+            <a:endParaRPr lang="en-US" dirty="0" smtClean="0"/>
+          </a:p>
+          <a:p>
+            <a:pPr lvl="1"/>
+            <a:r>
+              <a:rPr lang="en-US" dirty="0" err="1" smtClean="0"/>
+              <a:t>Paypal</a:t>
+            </a:r>
+            <a:endParaRPr lang="en-US" dirty="0" smtClean="0"/>
+          </a:p>
+          <a:p>
+            <a:pPr lvl="1"/>
+            <a:r>
+              <a:rPr lang="en-US" dirty="0" smtClean="0"/>
+              <a:t>Netflix</a:t>
+            </a:r>
+          </a:p>
+          <a:p>
+            <a:r>
+              <a:rPr lang="en-US" dirty="0">
+                <a:hlinkClick r:id="rId2"/>
+              </a:rPr>
+              <a:t>http://stackoverflow.com/insights/survey/2016#</a:t>
+            </a:r>
+            <a:r>
+              <a:rPr lang="en-US" dirty="0" smtClean="0">
+                <a:hlinkClick r:id="rId2"/>
+              </a:rPr>
+              <a:t>technology</a:t>
+            </a:r>
+            <a:r>
+              <a:rPr lang="en-US" dirty="0" smtClean="0"/>
+              <a:t> (</a:t>
+            </a:r>
+            <a:r>
+              <a:rPr lang="en-US" dirty="0" err="1" smtClean="0"/>
+              <a:t>pq</a:t>
+            </a:r>
+            <a:r>
+              <a:rPr lang="en-US" dirty="0" smtClean="0"/>
+              <a:t> </a:t>
+            </a:r>
+            <a:r>
+              <a:rPr lang="en-US" dirty="0" err="1" smtClean="0"/>
+              <a:t>Javascritpt</a:t>
+            </a:r>
+            <a:r>
+              <a:rPr lang="en-US" dirty="0" smtClean="0"/>
+              <a:t> e Node)</a:t>
+            </a:r>
+          </a:p>
+          <a:p>
+            <a:endParaRPr lang="en-US" dirty="0"/>
+          </a:p>
+        </p:txBody>
+      </p:sp>
+    </p:spTree>
+    <p:extLst>
+      <p:ext uri="{BB962C8B-B14F-4D97-AF65-F5344CB8AC3E}">
+        <p14:creationId xmlns:p14="http://schemas.microsoft.com/office/powerpoint/2010/main" val="3760697722"/>
+      </p:ext>
+    </p:extLst>
+  </p:cSld>
+  <p:clrMapOvr>
+    <a:masterClrMapping/>
+  </p:clrMapOvr>
+</p:sld>
+</file>
+
+<file path=ppt/slides/slide5.xml><?xml version="1.0" encoding="utf-8"?>
+<p:sld xmlns:a="http://schemas.openxmlformats.org/drawingml/2006/main" xmlns:r="http://schemas.openxmlformats.org/officeDocument/2006/relationships" xmlns:p="http://schemas.openxmlformats.org/presentationml/2006/main">
+  <p:cSld>
+    <p:spTree>
+      <p:nvGrpSpPr>
+        <p:cNvPr id="1" name=""/>
+        <p:cNvGrpSpPr/>
+        <p:nvPr/>
+      </p:nvGrpSpPr>
+      <p:grpSpPr>
+        <a:xfrm>
+          <a:off x="0" y="0"/>
+          <a:ext cx="0" cy="0"/>
+          <a:chOff x="0" y="0"/>
+          <a:chExt cx="0" cy="0"/>
+        </a:xfrm>
+      </p:grpSpPr>
+      <p:sp>
+        <p:nvSpPr>
+          <p:cNvPr id="2" name="Title 1"/>
+          <p:cNvSpPr>
+            <a:spLocks noGrp="1"/>
+          </p:cNvSpPr>
+          <p:nvPr>
+            <p:ph type="title"/>
+          </p:nvPr>
+        </p:nvSpPr>
+        <p:spPr/>
+        <p:txBody>
+          <a:bodyPr/>
+          <a:lstStyle/>
+          <a:p>
+            <a:r>
+              <a:rPr lang="en-US" dirty="0" err="1" smtClean="0"/>
+              <a:t>Usos</a:t>
+            </a:r>
+            <a:r>
+              <a:rPr lang="en-US" dirty="0" smtClean="0"/>
+              <a:t> </a:t>
+            </a:r>
+            <a:r>
+              <a:rPr lang="en-US" dirty="0" err="1" smtClean="0"/>
+              <a:t>gerais</a:t>
+            </a:r>
+            <a:endParaRPr lang="en-US" dirty="0"/>
+          </a:p>
+        </p:txBody>
+      </p:sp>
+      <p:sp>
+        <p:nvSpPr>
+          <p:cNvPr id="3" name="Content Placeholder 2"/>
+          <p:cNvSpPr>
+            <a:spLocks noGrp="1"/>
+          </p:cNvSpPr>
+          <p:nvPr>
+            <p:ph idx="1"/>
+          </p:nvPr>
+        </p:nvSpPr>
+        <p:spPr/>
+        <p:txBody>
+          <a:bodyPr/>
+          <a:lstStyle/>
+          <a:p>
+            <a:r>
+              <a:rPr lang="en-US" dirty="0" smtClean="0"/>
+              <a:t>Web Server </a:t>
+            </a:r>
+          </a:p>
+          <a:p>
+            <a:pPr lvl="1"/>
+            <a:r>
+              <a:rPr lang="en-US" dirty="0" smtClean="0"/>
+              <a:t>Express</a:t>
+            </a:r>
+          </a:p>
+          <a:p>
+            <a:pPr lvl="1"/>
+            <a:r>
+              <a:rPr lang="en-US" dirty="0" err="1" smtClean="0"/>
+              <a:t>Restify</a:t>
+            </a:r>
+            <a:endParaRPr lang="en-US" dirty="0" smtClean="0"/>
+          </a:p>
+          <a:p>
+            <a:pPr lvl="1"/>
+            <a:r>
+              <a:rPr lang="en-US" dirty="0" smtClean="0"/>
+              <a:t>Koa</a:t>
+            </a:r>
+          </a:p>
+          <a:p>
+            <a:pPr lvl="1"/>
+            <a:r>
+              <a:rPr lang="en-US" dirty="0" err="1" smtClean="0"/>
+              <a:t>Hapi</a:t>
+            </a:r>
+            <a:endParaRPr lang="en-US" dirty="0" smtClean="0"/>
+          </a:p>
+          <a:p>
+            <a:r>
+              <a:rPr lang="en-US" dirty="0" smtClean="0"/>
+              <a:t>Static Web Server</a:t>
+            </a:r>
+          </a:p>
+          <a:p>
+            <a:pPr lvl="1"/>
+            <a:r>
+              <a:rPr lang="en-US" dirty="0" smtClean="0"/>
+              <a:t>http-serve(r)</a:t>
+            </a:r>
+          </a:p>
+          <a:p>
+            <a:pPr lvl="1"/>
+            <a:r>
+              <a:rPr lang="en-US" dirty="0" err="1" smtClean="0"/>
+              <a:t>nodemon</a:t>
+            </a:r>
+            <a:endParaRPr lang="en-US" dirty="0" smtClean="0"/>
+          </a:p>
+          <a:p>
+            <a:pPr lvl="1"/>
+            <a:endParaRPr lang="en-US" dirty="0"/>
+          </a:p>
+        </p:txBody>
+      </p:sp>
+    </p:spTree>
+    <p:extLst>
+      <p:ext uri="{BB962C8B-B14F-4D97-AF65-F5344CB8AC3E}">
+        <p14:creationId xmlns:p14="http://schemas.microsoft.com/office/powerpoint/2010/main" val="1850803355"/>
+      </p:ext>
+    </p:extLst>
+  </p:cSld>
+  <p:clrMapOvr>
+    <a:masterClrMapping/>
+  </p:clrMapOvr>
+</p:sld>
+</file>
+
+<file path=ppt/slides/slide6.xml><?xml version="1.0" encoding="utf-8"?>
+<p:sld xmlns:a="http://schemas.openxmlformats.org/drawingml/2006/main" xmlns:r="http://schemas.openxmlformats.org/officeDocument/2006/relationships" xmlns:p="http://schemas.openxmlformats.org/presentationml/2006/main">
+  <p:cSld>
+    <p:spTree>
+      <p:nvGrpSpPr>
+        <p:cNvPr id="1" name=""/>
+        <p:cNvGrpSpPr/>
+        <p:nvPr/>
+      </p:nvGrpSpPr>
+      <p:grpSpPr>
+        <a:xfrm>
+          <a:off x="0" y="0"/>
+          <a:ext cx="0" cy="0"/>
+          <a:chOff x="0" y="0"/>
+          <a:chExt cx="0" cy="0"/>
+        </a:xfrm>
+      </p:grpSpPr>
+      <p:sp>
+        <p:nvSpPr>
+          <p:cNvPr id="2" name="Title 1"/>
+          <p:cNvSpPr>
+            <a:spLocks noGrp="1"/>
+          </p:cNvSpPr>
+          <p:nvPr>
+            <p:ph type="title"/>
+          </p:nvPr>
+        </p:nvSpPr>
+        <p:spPr/>
+        <p:txBody>
+          <a:bodyPr/>
+          <a:lstStyle/>
+          <a:p>
+            <a:r>
+              <a:rPr lang="en-US" dirty="0" smtClean="0"/>
+              <a:t>Web servers</a:t>
+            </a:r>
+            <a:endParaRPr lang="en-US" dirty="0"/>
+          </a:p>
+        </p:txBody>
+      </p:sp>
+      <p:sp>
+        <p:nvSpPr>
+          <p:cNvPr id="3" name="Content Placeholder 2"/>
+          <p:cNvSpPr>
+            <a:spLocks noGrp="1"/>
+          </p:cNvSpPr>
+          <p:nvPr>
+            <p:ph idx="1"/>
+          </p:nvPr>
+        </p:nvSpPr>
+        <p:spPr/>
+        <p:txBody>
+          <a:bodyPr/>
+          <a:lstStyle/>
+          <a:p>
+            <a:r>
+              <a:rPr lang="en-US" dirty="0" smtClean="0"/>
               <a:t>Rendering</a:t>
             </a:r>
           </a:p>
@@ -5726,11 +7071,7 @@
             </a:r>
             <a:r>
               <a:rPr lang="en-US" dirty="0" err="1" smtClean="0"/>
-              <a:t>h</a:t>
-            </a:r>
-            <a:r>
-              <a:rPr lang="en-US" dirty="0" err="1" smtClean="0"/>
-              <a:t>íbridos</a:t>
+              <a:t>híbridos</a:t>
             </a:r>
             <a:endParaRPr lang="en-US" dirty="0" smtClean="0"/>
           </a:p>
@@ -5795,9 +7136,80 @@
               <a:t>Hapi</a:t>
             </a:r>
             <a:r>
-              <a:rPr lang="en-US" smtClean="0"/>
+              <a:rPr lang="en-US" dirty="0" smtClean="0"/>
               <a:t>)</a:t>
             </a:r>
+          </a:p>
+          <a:p>
+            <a:pPr lvl="1"/>
+            <a:r>
+              <a:rPr lang="en-US" dirty="0" err="1" smtClean="0"/>
+              <a:t>Uber</a:t>
+            </a:r>
+            <a:r>
+              <a:rPr lang="en-US" b="1" dirty="0" smtClean="0"/>
+              <a:t> (</a:t>
+            </a:r>
+            <a:r>
+              <a:rPr lang="en-US" b="1" dirty="0" err="1" smtClean="0"/>
+              <a:t>ver</a:t>
+            </a:r>
+            <a:r>
+              <a:rPr lang="en-US" b="1" dirty="0" smtClean="0"/>
+              <a:t> </a:t>
+            </a:r>
+            <a:r>
+              <a:rPr lang="en-US" b="1" dirty="0" err="1" smtClean="0"/>
+              <a:t>caso</a:t>
+            </a:r>
+            <a:r>
+              <a:rPr lang="en-US" b="1" dirty="0" smtClean="0"/>
+              <a:t> no </a:t>
+            </a:r>
+            <a:r>
+              <a:rPr lang="en-US" b="1" dirty="0" err="1" smtClean="0"/>
+              <a:t>youtube</a:t>
+            </a:r>
+            <a:r>
+              <a:rPr lang="en-US" b="1" dirty="0" smtClean="0"/>
+              <a:t>)</a:t>
+            </a:r>
+          </a:p>
+          <a:p>
+            <a:pPr lvl="1"/>
+            <a:r>
+              <a:rPr lang="en-US" dirty="0" smtClean="0"/>
+              <a:t>Pay-Pal </a:t>
+            </a:r>
+            <a:r>
+              <a:rPr lang="en-US" b="1" dirty="0" smtClean="0"/>
+              <a:t>(</a:t>
+            </a:r>
+            <a:r>
+              <a:rPr lang="en-US" b="1" dirty="0" err="1" smtClean="0"/>
+              <a:t>ver</a:t>
+            </a:r>
+            <a:r>
+              <a:rPr lang="en-US" b="1" dirty="0" smtClean="0"/>
+              <a:t> </a:t>
+            </a:r>
+            <a:r>
+              <a:rPr lang="en-US" b="1" dirty="0" err="1" smtClean="0"/>
+              <a:t>caso</a:t>
+            </a:r>
+            <a:r>
+              <a:rPr lang="en-US" b="1" dirty="0" smtClean="0"/>
+              <a:t> no </a:t>
+            </a:r>
+            <a:r>
+              <a:rPr lang="en-US" b="1" dirty="0" err="1" smtClean="0"/>
+              <a:t>youtube</a:t>
+            </a:r>
+            <a:r>
+              <a:rPr lang="en-US" b="1" dirty="0" smtClean="0"/>
+              <a:t>)</a:t>
+            </a:r>
+            <a:endParaRPr lang="en-US" b="1" dirty="0" smtClean="0"/>
           </a:p>
           <a:p>
             <a:pPr lvl="1"/>
@@ -5809,6 +7221,466 @@
     <p:extLst>
       <p:ext uri="{BB962C8B-B14F-4D97-AF65-F5344CB8AC3E}">
         <p14:creationId xmlns:p14="http://schemas.microsoft.com/office/powerpoint/2010/main" val="4246676434"/>
+      </p:ext>
+    </p:extLst>
+  </p:cSld>
+  <p:clrMapOvr>
+    <a:masterClrMapping/>
+  </p:clrMapOvr>
+</p:sld>
+</file>
+
+<file path=ppt/slides/slide7.xml><?xml version="1.0" encoding="utf-8"?>
+<p:sld xmlns:a="http://schemas.openxmlformats.org/drawingml/2006/main" xmlns:r="http://schemas.openxmlformats.org/officeDocument/2006/relationships" xmlns:p="http://schemas.openxmlformats.org/presentationml/2006/main">
+  <p:cSld>
+    <p:spTree>
+      <p:nvGrpSpPr>
+        <p:cNvPr id="1" name=""/>
+        <p:cNvGrpSpPr/>
+        <p:nvPr/>
+      </p:nvGrpSpPr>
+      <p:grpSpPr>
+        <a:xfrm>
+          <a:off x="0" y="0"/>
+          <a:ext cx="0" cy="0"/>
+          <a:chOff x="0" y="0"/>
+          <a:chExt cx="0" cy="0"/>
+        </a:xfrm>
+      </p:grpSpPr>
+      <p:sp>
+        <p:nvSpPr>
+          <p:cNvPr id="2" name="Title 1"/>
+          <p:cNvSpPr>
+            <a:spLocks noGrp="1"/>
+          </p:cNvSpPr>
+          <p:nvPr>
+            <p:ph type="title"/>
+          </p:nvPr>
+        </p:nvSpPr>
+        <p:spPr/>
+        <p:txBody>
+          <a:bodyPr/>
+          <a:lstStyle/>
+          <a:p>
+            <a:r>
+              <a:rPr lang="en-US" dirty="0" smtClean="0"/>
+              <a:t>DEMO ENDPOINTS</a:t>
+            </a:r>
+            <a:endParaRPr lang="en-US" dirty="0"/>
+          </a:p>
+        </p:txBody>
+      </p:sp>
+      <p:sp>
+        <p:nvSpPr>
+          <p:cNvPr id="3" name="Content Placeholder 2"/>
+          <p:cNvSpPr>
+            <a:spLocks noGrp="1"/>
+          </p:cNvSpPr>
+          <p:nvPr>
+            <p:ph idx="1"/>
+          </p:nvPr>
+        </p:nvSpPr>
+        <p:spPr/>
+        <p:txBody>
+          <a:bodyPr/>
+          <a:lstStyle/>
+          <a:p>
+            <a:r>
+              <a:rPr lang="en-US" dirty="0" smtClean="0"/>
+              <a:t>Show basic server demo with </a:t>
+            </a:r>
+            <a:r>
+              <a:rPr lang="en-US" dirty="0" err="1" smtClean="0"/>
+              <a:t>auth</a:t>
+            </a:r>
+            <a:r>
+              <a:rPr lang="en-US" dirty="0" smtClean="0"/>
+              <a:t> (???) </a:t>
+            </a:r>
+          </a:p>
+          <a:p>
+            <a:r>
+              <a:rPr lang="en-US" dirty="0" smtClean="0"/>
+              <a:t>Show basic static usage for web site static </a:t>
+            </a:r>
+          </a:p>
+          <a:p>
+            <a:endParaRPr lang="en-US" dirty="0"/>
+          </a:p>
+        </p:txBody>
+      </p:sp>
+    </p:spTree>
+    <p:extLst>
+      <p:ext uri="{BB962C8B-B14F-4D97-AF65-F5344CB8AC3E}">
+        <p14:creationId xmlns:p14="http://schemas.microsoft.com/office/powerpoint/2010/main" val="541763946"/>
+      </p:ext>
+    </p:extLst>
+  </p:cSld>
+  <p:clrMapOvr>
+    <a:masterClrMapping/>
+  </p:clrMapOvr>
+</p:sld>
+</file>
+
+<file path=ppt/slides/slide8.xml><?xml version="1.0" encoding="utf-8"?>
+<p:sld xmlns:a="http://schemas.openxmlformats.org/drawingml/2006/main" xmlns:r="http://schemas.openxmlformats.org/officeDocument/2006/relationships" xmlns:p="http://schemas.openxmlformats.org/presentationml/2006/main">
+  <p:cSld>
+    <p:spTree>
+      <p:nvGrpSpPr>
+        <p:cNvPr id="1" name=""/>
+        <p:cNvGrpSpPr/>
+        <p:nvPr/>
+      </p:nvGrpSpPr>
+      <p:grpSpPr>
+        <a:xfrm>
+          <a:off x="0" y="0"/>
+          <a:ext cx="0" cy="0"/>
+          <a:chOff x="0" y="0"/>
+          <a:chExt cx="0" cy="0"/>
+        </a:xfrm>
+      </p:grpSpPr>
+      <p:sp>
+        <p:nvSpPr>
+          <p:cNvPr id="2" name="Title 1"/>
+          <p:cNvSpPr>
+            <a:spLocks noGrp="1"/>
+          </p:cNvSpPr>
+          <p:nvPr>
+            <p:ph type="title"/>
+          </p:nvPr>
+        </p:nvSpPr>
+        <p:spPr/>
+        <p:txBody>
+          <a:bodyPr/>
+          <a:lstStyle/>
+          <a:p>
+            <a:r>
+              <a:rPr lang="en-US" dirty="0" smtClean="0"/>
+              <a:t>VERSUS ASP.NET </a:t>
+            </a:r>
+            <a:br>
+              <a:rPr lang="en-US" dirty="0" smtClean="0"/>
+            </a:br>
+            <a:r>
+              <a:rPr lang="en-US" dirty="0" smtClean="0"/>
+              <a:t>PROS &amp; CONS</a:t>
+            </a:r>
+            <a:endParaRPr lang="en-US" dirty="0"/>
+          </a:p>
+        </p:txBody>
+      </p:sp>
+      <p:sp>
+        <p:nvSpPr>
+          <p:cNvPr id="3" name="Content Placeholder 2"/>
+          <p:cNvSpPr>
+            <a:spLocks noGrp="1"/>
+          </p:cNvSpPr>
+          <p:nvPr>
+            <p:ph idx="1"/>
+          </p:nvPr>
+        </p:nvSpPr>
+        <p:spPr>
+          <a:xfrm>
+            <a:off x="779463" y="1828800"/>
+            <a:ext cx="7583488" cy="4916055"/>
+          </a:xfrm>
+        </p:spPr>
+        <p:txBody>
+          <a:bodyPr>
+            <a:normAutofit lnSpcReduction="10000"/>
+          </a:bodyPr>
+          <a:lstStyle/>
+          <a:p>
+            <a:r>
+              <a:rPr lang="en-US" dirty="0" smtClean="0"/>
+              <a:t>PROS</a:t>
+            </a:r>
+          </a:p>
+          <a:p>
+            <a:pPr lvl="1"/>
+            <a:r>
+              <a:rPr lang="en-US" dirty="0" smtClean="0"/>
+              <a:t>Multi-</a:t>
+            </a:r>
+            <a:r>
+              <a:rPr lang="en-US" dirty="0" err="1" smtClean="0"/>
+              <a:t>plataforma</a:t>
+            </a:r>
+            <a:r>
+              <a:rPr lang="en-US" dirty="0" smtClean="0"/>
+              <a:t> </a:t>
+            </a:r>
+          </a:p>
+          <a:p>
+            <a:pPr lvl="1"/>
+            <a:r>
+              <a:rPr lang="en-US" dirty="0" err="1" smtClean="0"/>
+              <a:t>Menor</a:t>
+            </a:r>
+            <a:r>
+              <a:rPr lang="en-US" dirty="0" smtClean="0"/>
+              <a:t> </a:t>
+            </a:r>
+            <a:r>
+              <a:rPr lang="en-US" dirty="0" err="1" smtClean="0"/>
+              <a:t>custo</a:t>
+            </a:r>
+            <a:r>
+              <a:rPr lang="en-US" dirty="0" smtClean="0"/>
+              <a:t> </a:t>
+            </a:r>
+          </a:p>
+          <a:p>
+            <a:pPr lvl="1"/>
+            <a:r>
+              <a:rPr lang="en-US" dirty="0" err="1" smtClean="0"/>
+              <a:t>F</a:t>
+            </a:r>
+            <a:r>
+              <a:rPr lang="en-US" dirty="0" err="1" smtClean="0"/>
+              <a:t>ácil</a:t>
+            </a:r>
+            <a:r>
+              <a:rPr lang="en-US" dirty="0" smtClean="0"/>
+              <a:t> </a:t>
+            </a:r>
+            <a:r>
+              <a:rPr lang="en-US" dirty="0" err="1" smtClean="0"/>
+              <a:t>curva</a:t>
+            </a:r>
+            <a:r>
+              <a:rPr lang="en-US" dirty="0" smtClean="0"/>
+              <a:t> de </a:t>
+            </a:r>
+            <a:r>
+              <a:rPr lang="en-US" dirty="0" err="1" smtClean="0"/>
+              <a:t>aprendizado</a:t>
+            </a:r>
+            <a:endParaRPr lang="en-US" dirty="0" smtClean="0"/>
+          </a:p>
+          <a:p>
+            <a:pPr lvl="1"/>
+            <a:r>
+              <a:rPr lang="en-US" dirty="0" smtClean="0"/>
+              <a:t>Ideal </a:t>
+            </a:r>
+            <a:r>
+              <a:rPr lang="en-US" dirty="0" err="1" smtClean="0"/>
+              <a:t>para</a:t>
+            </a:r>
+            <a:r>
+              <a:rPr lang="en-US" dirty="0" smtClean="0"/>
+              <a:t> </a:t>
+            </a:r>
+            <a:r>
+              <a:rPr lang="en-US" dirty="0" err="1" smtClean="0"/>
+              <a:t>prototipação</a:t>
+            </a:r>
+            <a:endParaRPr lang="en-US" dirty="0" smtClean="0"/>
+          </a:p>
+          <a:p>
+            <a:pPr lvl="1"/>
+            <a:r>
+              <a:rPr lang="en-US" dirty="0" err="1" smtClean="0"/>
+              <a:t>Fácil</a:t>
+            </a:r>
+            <a:r>
+              <a:rPr lang="en-US" dirty="0" smtClean="0"/>
+              <a:t> </a:t>
+            </a:r>
+            <a:r>
+              <a:rPr lang="en-US" dirty="0" err="1" smtClean="0"/>
+              <a:t>acesso</a:t>
+            </a:r>
+            <a:r>
+              <a:rPr lang="en-US" dirty="0" smtClean="0"/>
+              <a:t> a </a:t>
+            </a:r>
+            <a:r>
+              <a:rPr lang="en-US" dirty="0" err="1" smtClean="0"/>
+              <a:t>Legado</a:t>
+            </a:r>
+            <a:r>
+              <a:rPr lang="en-US" dirty="0" smtClean="0"/>
+              <a:t> (MVC + WEB API) </a:t>
+            </a:r>
+          </a:p>
+          <a:p>
+            <a:pPr lvl="1"/>
+            <a:r>
+              <a:rPr lang="en-US" dirty="0" err="1" smtClean="0"/>
+              <a:t>Fácil</a:t>
+            </a:r>
+            <a:r>
+              <a:rPr lang="en-US" dirty="0" smtClean="0"/>
+              <a:t> </a:t>
+            </a:r>
+            <a:r>
+              <a:rPr lang="en-US" dirty="0" err="1" smtClean="0"/>
+              <a:t>acesso</a:t>
+            </a:r>
+            <a:r>
+              <a:rPr lang="en-US" dirty="0" smtClean="0"/>
+              <a:t> a </a:t>
+            </a:r>
+            <a:r>
+              <a:rPr lang="en-US" dirty="0" err="1" smtClean="0"/>
+              <a:t>bancos</a:t>
+            </a:r>
+            <a:r>
+              <a:rPr lang="en-US" dirty="0" smtClean="0"/>
+              <a:t> SQL/NOSQL/</a:t>
+            </a:r>
+            <a:r>
+              <a:rPr lang="en-US" dirty="0" err="1" smtClean="0"/>
+              <a:t>Híbridos</a:t>
+            </a:r>
+            <a:endParaRPr lang="en-US" dirty="0" smtClean="0"/>
+          </a:p>
+          <a:p>
+            <a:r>
+              <a:rPr lang="en-US" dirty="0" smtClean="0"/>
+              <a:t>CONS</a:t>
+            </a:r>
+          </a:p>
+          <a:p>
+            <a:pPr lvl="1"/>
+            <a:r>
+              <a:rPr lang="en-US" dirty="0" err="1" smtClean="0"/>
+              <a:t>Linq</a:t>
+            </a:r>
+            <a:r>
+              <a:rPr lang="en-US" dirty="0" smtClean="0"/>
+              <a:t> + EF + SQL Server ===  Awesomeness</a:t>
+            </a:r>
+          </a:p>
+          <a:p>
+            <a:pPr lvl="2"/>
+            <a:r>
+              <a:rPr lang="en-US" dirty="0" smtClean="0"/>
+              <a:t>Rethink DB + Functional + Arrow + Method Properties</a:t>
+            </a:r>
+          </a:p>
+          <a:p>
+            <a:pPr lvl="1"/>
+            <a:r>
+              <a:rPr lang="en-US" dirty="0" smtClean="0"/>
+              <a:t>Membership Attributes Decoration for </a:t>
+            </a:r>
+            <a:r>
+              <a:rPr lang="en-US" b="1" dirty="0" smtClean="0"/>
+              <a:t>Routes</a:t>
+            </a:r>
+            <a:r>
+              <a:rPr lang="en-US" dirty="0" smtClean="0"/>
+              <a:t> Saves Some Serious Coding</a:t>
+            </a:r>
+          </a:p>
+          <a:p>
+            <a:pPr lvl="1"/>
+            <a:endParaRPr lang="en-US" dirty="0" smtClean="0"/>
+          </a:p>
+          <a:p>
+            <a:pPr marL="282575" lvl="1" indent="0">
+              <a:buNone/>
+            </a:pPr>
+            <a:endParaRPr lang="en-US" dirty="0" smtClean="0"/>
+          </a:p>
+        </p:txBody>
+      </p:sp>
+    </p:spTree>
+    <p:extLst>
+      <p:ext uri="{BB962C8B-B14F-4D97-AF65-F5344CB8AC3E}">
+        <p14:creationId xmlns:p14="http://schemas.microsoft.com/office/powerpoint/2010/main" val="2214275477"/>
+      </p:ext>
+    </p:extLst>
+  </p:cSld>
+  <p:clrMapOvr>
+    <a:masterClrMapping/>
+  </p:clrMapOvr>
+</p:sld>
+</file>
+
+<file path=ppt/slides/slide9.xml><?xml version="1.0" encoding="utf-8"?>
+<p:sld xmlns:a="http://schemas.openxmlformats.org/drawingml/2006/main" xmlns:r="http://schemas.openxmlformats.org/officeDocument/2006/relationships" xmlns:p="http://schemas.openxmlformats.org/presentationml/2006/main">
+  <p:cSld>
+    <p:spTree>
+      <p:nvGrpSpPr>
+        <p:cNvPr id="1" name=""/>
+        <p:cNvGrpSpPr/>
+        <p:nvPr/>
+      </p:nvGrpSpPr>
+      <p:grpSpPr>
+        <a:xfrm>
+          <a:off x="0" y="0"/>
+          <a:ext cx="0" cy="0"/>
+          <a:chOff x="0" y="0"/>
+          <a:chExt cx="0" cy="0"/>
+        </a:xfrm>
+      </p:grpSpPr>
+      <p:sp>
+        <p:nvSpPr>
+          <p:cNvPr id="2" name="Title 1"/>
+          <p:cNvSpPr>
+            <a:spLocks noGrp="1"/>
+          </p:cNvSpPr>
+          <p:nvPr>
+            <p:ph type="title"/>
+          </p:nvPr>
+        </p:nvSpPr>
+        <p:spPr/>
+        <p:txBody>
+          <a:bodyPr/>
+          <a:lstStyle/>
+          <a:p>
+            <a:r>
+              <a:rPr lang="en-US" dirty="0" smtClean="0"/>
+              <a:t>DEMO ???????????</a:t>
+            </a:r>
+            <a:endParaRPr lang="en-US" dirty="0"/>
+          </a:p>
+        </p:txBody>
+      </p:sp>
+      <p:sp>
+        <p:nvSpPr>
+          <p:cNvPr id="3" name="Content Placeholder 2"/>
+          <p:cNvSpPr>
+            <a:spLocks noGrp="1"/>
+          </p:cNvSpPr>
+          <p:nvPr>
+            <p:ph idx="1"/>
+          </p:nvPr>
+        </p:nvSpPr>
+        <p:spPr/>
+        <p:txBody>
+          <a:bodyPr/>
+          <a:lstStyle/>
+          <a:p>
+            <a:r>
+              <a:rPr lang="en-US" dirty="0" smtClean="0"/>
+              <a:t>Improve initial demo with </a:t>
+            </a:r>
+            <a:r>
+              <a:rPr lang="en-US" dirty="0" err="1" smtClean="0"/>
+              <a:t>auth</a:t>
+            </a:r>
+            <a:r>
+              <a:rPr lang="en-US" dirty="0" smtClean="0"/>
+              <a:t> capacities</a:t>
+            </a:r>
+          </a:p>
+          <a:p>
+            <a:endParaRPr lang="en-US" dirty="0"/>
+          </a:p>
+          <a:p>
+            <a:endParaRPr lang="en-US" dirty="0" smtClean="0"/>
+          </a:p>
+        </p:txBody>
+      </p:sp>
+    </p:spTree>
+    <p:extLst>
+      <p:ext uri="{BB962C8B-B14F-4D97-AF65-F5344CB8AC3E}">
+        <p14:creationId xmlns:p14="http://schemas.microsoft.com/office/powerpoint/2010/main" val="3311581631"/>
       </p:ext>
     </p:extLst>
   </p:cSld>

--- a/ppt/ppt.pptx
+++ b/ppt/ppt.pptx
@@ -14,12 +14,13 @@
     <p:sldId id="267" r:id="rId8"/>
     <p:sldId id="261" r:id="rId9"/>
     <p:sldId id="268" r:id="rId10"/>
-    <p:sldId id="262" r:id="rId11"/>
-    <p:sldId id="265" r:id="rId12"/>
-    <p:sldId id="263" r:id="rId13"/>
-    <p:sldId id="270" r:id="rId14"/>
-    <p:sldId id="264" r:id="rId15"/>
-    <p:sldId id="269" r:id="rId16"/>
+    <p:sldId id="271" r:id="rId11"/>
+    <p:sldId id="262" r:id="rId12"/>
+    <p:sldId id="265" r:id="rId13"/>
+    <p:sldId id="263" r:id="rId14"/>
+    <p:sldId id="270" r:id="rId15"/>
+    <p:sldId id="264" r:id="rId16"/>
+    <p:sldId id="269" r:id="rId17"/>
   </p:sldIdLst>
   <p:sldSz cx="9144000" cy="6858000" type="screen4x3"/>
   <p:notesSz cx="6858000" cy="9144000"/>
@@ -5344,15 +5345,8 @@
           <a:p>
             <a:r>
               <a:rPr lang="en-US" dirty="0" err="1" smtClean="0"/>
-              <a:t>DevOPS</a:t>
-            </a:r>
-            <a:r>
-              <a:rPr lang="en-US" dirty="0" smtClean="0"/>
-              <a:t/>
-            </a:r>
-            <a:br>
-              <a:rPr lang="en-US" dirty="0" smtClean="0"/>
-            </a:br>
+              <a:t>devops</a:t>
+            </a:r>
             <a:endParaRPr lang="en-US" dirty="0"/>
           </a:p>
         </p:txBody>
@@ -5373,102 +5367,64 @@
           <a:lstStyle/>
           <a:p>
             <a:r>
-              <a:rPr lang="en-US" dirty="0" err="1" smtClean="0"/>
-              <a:t>Falar</a:t>
-            </a:r>
-            <a:r>
-              <a:rPr lang="en-US" dirty="0" smtClean="0"/>
-              <a:t> </a:t>
-            </a:r>
-            <a:r>
-              <a:rPr lang="en-US" dirty="0" err="1" smtClean="0"/>
-              <a:t>sobre</a:t>
-            </a:r>
-            <a:r>
-              <a:rPr lang="en-US" dirty="0" smtClean="0"/>
-              <a:t> </a:t>
-            </a:r>
-            <a:r>
-              <a:rPr lang="en-US" dirty="0" err="1" smtClean="0"/>
-              <a:t>coisas</a:t>
-            </a:r>
-            <a:r>
-              <a:rPr lang="en-US" dirty="0" smtClean="0"/>
-              <a:t> de </a:t>
-            </a:r>
-            <a:r>
-              <a:rPr lang="en-US" dirty="0" err="1" smtClean="0"/>
-              <a:t>devops</a:t>
-            </a:r>
-            <a:r>
-              <a:rPr lang="en-US" dirty="0" smtClean="0"/>
-              <a:t> </a:t>
-            </a:r>
-            <a:r>
-              <a:rPr lang="en-US" dirty="0" err="1" smtClean="0"/>
-              <a:t>para</a:t>
-            </a:r>
-            <a:r>
-              <a:rPr lang="en-US" dirty="0" smtClean="0"/>
-              <a:t> node</a:t>
-            </a:r>
-          </a:p>
-          <a:p>
+              <a:rPr lang="en-US" dirty="0" smtClean="0"/>
+              <a:t>From waterfall</a:t>
+            </a:r>
             <a:endParaRPr lang="en-US" dirty="0"/>
           </a:p>
           <a:p>
+            <a:pPr lvl="1"/>
             <a:r>
               <a:rPr lang="en-US" dirty="0"/>
-              <a:t>Check </a:t>
-            </a:r>
-            <a:r>
-              <a:rPr lang="en-US" dirty="0">
-                <a:hlinkClick r:id="rId2"/>
-              </a:rPr>
-              <a:t>https://www.slideshare.net</a:t>
-            </a:r>
-            <a:r>
-              <a:rPr lang="en-US">
-                <a:hlinkClick r:id="rId2"/>
-              </a:rPr>
-              <a:t>/ChetanDesai20/node-summit-2016-building-your-devops-for</a:t>
-            </a:r>
-            <a:r>
-              <a:rPr lang="en-US">
-                <a:hlinkClick r:id="rId2"/>
-              </a:rPr>
-              <a:t>-</a:t>
-            </a:r>
-            <a:r>
-              <a:rPr lang="en-US" smtClean="0">
-                <a:hlinkClick r:id="rId2"/>
-              </a:rPr>
-              <a:t>nodejs</a:t>
-            </a:r>
-            <a:endParaRPr lang="en-US" smtClean="0"/>
-          </a:p>
-          <a:p>
+              <a:t>software development teams, testing teams, and IT operations. </a:t>
+            </a:r>
             <a:endParaRPr lang="en-US" dirty="0" smtClean="0"/>
           </a:p>
           <a:p>
-            <a:endParaRPr lang="en-US" dirty="0"/>
-          </a:p>
-          <a:p>
-            <a:r>
-              <a:rPr lang="en-US" dirty="0">
-                <a:hlinkClick r:id="rId3"/>
-              </a:rPr>
-              <a:t>https://devops.com/top-reasons-use-node-js</a:t>
-            </a:r>
-            <a:r>
-              <a:rPr lang="en-US" dirty="0" smtClean="0">
-                <a:hlinkClick r:id="rId3"/>
-              </a:rPr>
-              <a:t>/</a:t>
+            <a:r>
+              <a:rPr lang="en-US" dirty="0" smtClean="0"/>
+              <a:t>To </a:t>
+            </a:r>
+            <a:r>
+              <a:rPr lang="en-US" dirty="0" err="1" smtClean="0"/>
+              <a:t>DevOps</a:t>
             </a:r>
             <a:endParaRPr lang="en-US" dirty="0" smtClean="0"/>
           </a:p>
           <a:p>
+            <a:pPr lvl="1"/>
+            <a:r>
+              <a:rPr lang="en-US" dirty="0" err="1" smtClean="0"/>
+              <a:t>PaaS</a:t>
+            </a:r>
+            <a:endParaRPr lang="en-US" dirty="0" smtClean="0"/>
+          </a:p>
+          <a:p>
+            <a:pPr lvl="1"/>
+            <a:r>
+              <a:rPr lang="en-US" dirty="0" smtClean="0"/>
+              <a:t>Versioning</a:t>
+            </a:r>
+          </a:p>
+          <a:p>
+            <a:pPr lvl="1"/>
+            <a:r>
+              <a:rPr lang="en-US" dirty="0" smtClean="0"/>
+              <a:t>One Team</a:t>
+            </a:r>
+          </a:p>
+          <a:p>
+            <a:pPr lvl="1"/>
+            <a:endParaRPr lang="en-US" dirty="0" smtClean="0"/>
+          </a:p>
+          <a:p>
+            <a:pPr lvl="1"/>
+            <a:endParaRPr lang="en-US" dirty="0" smtClean="0"/>
+          </a:p>
+          <a:p>
+            <a:pPr marL="282575" lvl="1" indent="0">
+              <a:buNone/>
+            </a:pPr>
             <a:endParaRPr lang="en-US" dirty="0"/>
           </a:p>
         </p:txBody>
@@ -5476,7 +5432,7 @@
     </p:spTree>
     <p:extLst>
       <p:ext uri="{BB962C8B-B14F-4D97-AF65-F5344CB8AC3E}">
-        <p14:creationId xmlns:p14="http://schemas.microsoft.com/office/powerpoint/2010/main" val="3034991111"/>
+        <p14:creationId xmlns:p14="http://schemas.microsoft.com/office/powerpoint/2010/main" val="4000896292"/>
       </p:ext>
     </p:extLst>
   </p:cSld>
@@ -5519,9 +5475,16 @@
           <a:lstStyle/>
           <a:p>
             <a:r>
-              <a:rPr lang="en-US" dirty="0" smtClean="0"/>
-              <a:t>DEVOPS</a:t>
-            </a:r>
+              <a:rPr lang="en-US" dirty="0" err="1" smtClean="0"/>
+              <a:t>DevOPS</a:t>
+            </a:r>
+            <a:r>
+              <a:rPr lang="en-US" dirty="0" smtClean="0"/>
+              <a:t/>
+            </a:r>
+            <a:br>
+              <a:rPr lang="en-US" dirty="0" smtClean="0"/>
+            </a:br>
             <a:endParaRPr lang="en-US" dirty="0"/>
           </a:p>
         </p:txBody>
@@ -5542,35 +5505,96 @@
           <a:lstStyle/>
           <a:p>
             <a:r>
-              <a:rPr lang="en-US" dirty="0" smtClean="0"/>
-              <a:t>DEMO</a:t>
-            </a:r>
-          </a:p>
-          <a:p>
-            <a:pPr lvl="1"/>
-            <a:r>
-              <a:rPr lang="en-US" dirty="0" err="1" smtClean="0"/>
-              <a:t>Criar</a:t>
-            </a:r>
+              <a:rPr lang="en-US" dirty="0" err="1" smtClean="0"/>
+              <a:t>Falar</a:t>
+            </a:r>
+            <a:r>
+              <a:rPr lang="en-US" dirty="0" smtClean="0"/>
+              <a:t> </a:t>
+            </a:r>
+            <a:r>
+              <a:rPr lang="en-US" dirty="0" err="1" smtClean="0"/>
+              <a:t>sobre</a:t>
+            </a:r>
+            <a:r>
+              <a:rPr lang="en-US" dirty="0" smtClean="0"/>
+              <a:t> </a:t>
+            </a:r>
+            <a:r>
+              <a:rPr lang="en-US" dirty="0" err="1" smtClean="0"/>
+              <a:t>coisas</a:t>
+            </a:r>
+            <a:r>
+              <a:rPr lang="en-US" dirty="0" smtClean="0"/>
+              <a:t> de </a:t>
+            </a:r>
+            <a:r>
+              <a:rPr lang="en-US" dirty="0" err="1" smtClean="0"/>
+              <a:t>devops</a:t>
+            </a:r>
+            <a:r>
+              <a:rPr lang="en-US" dirty="0" smtClean="0"/>
+              <a:t> </a:t>
+            </a:r>
+            <a:r>
+              <a:rPr lang="en-US" dirty="0" err="1" smtClean="0"/>
+              <a:t>para</a:t>
+            </a:r>
+            <a:r>
+              <a:rPr lang="en-US" dirty="0" smtClean="0"/>
+              <a:t> node</a:t>
+            </a:r>
+          </a:p>
+          <a:p>
+            <a:endParaRPr lang="en-US" dirty="0"/>
+          </a:p>
+          <a:p>
             <a:r>
               <a:rPr lang="en-US" dirty="0"/>
-              <a:t> </a:t>
-            </a:r>
-            <a:r>
-              <a:rPr lang="en-US" dirty="0" smtClean="0"/>
-              <a:t>s3bucket </a:t>
-            </a:r>
-          </a:p>
-          <a:p>
-            <a:pPr lvl="1"/>
+              <a:t>Check </a:t>
+            </a:r>
+            <a:r>
+              <a:rPr lang="en-US" dirty="0">
+                <a:hlinkClick r:id="rId2"/>
+              </a:rPr>
+              <a:t>https://www.slideshare.net</a:t>
+            </a:r>
+            <a:r>
+              <a:rPr lang="en-US">
+                <a:hlinkClick r:id="rId2"/>
+              </a:rPr>
+              <a:t>/ChetanDesai20/node-summit-2016-building-your-devops-for-</a:t>
+            </a:r>
+            <a:r>
+              <a:rPr lang="en-US" smtClean="0">
+                <a:hlinkClick r:id="rId2"/>
+              </a:rPr>
+              <a:t>nodejs</a:t>
+            </a:r>
+            <a:endParaRPr lang="en-US" smtClean="0"/>
+          </a:p>
+          <a:p>
+            <a:endParaRPr lang="en-US" dirty="0" smtClean="0"/>
+          </a:p>
+          <a:p>
             <a:endParaRPr lang="en-US" dirty="0"/>
           </a:p>
           <a:p>
-            <a:pPr lvl="1"/>
-            <a:r>
-              <a:rPr lang="en-US" dirty="0" smtClean="0"/>
-              <a:t>Continuous Deployment</a:t>
-            </a:r>
+            <a:r>
+              <a:rPr lang="en-US" dirty="0">
+                <a:hlinkClick r:id="rId3"/>
+              </a:rPr>
+              <a:t>https://devops.com/top-reasons-use-node-js</a:t>
+            </a:r>
+            <a:r>
+              <a:rPr lang="en-US" dirty="0" smtClean="0">
+                <a:hlinkClick r:id="rId3"/>
+              </a:rPr>
+              <a:t>/</a:t>
+            </a:r>
+            <a:endParaRPr lang="en-US" dirty="0" smtClean="0"/>
+          </a:p>
+          <a:p>
             <a:endParaRPr lang="en-US" dirty="0"/>
           </a:p>
         </p:txBody>
@@ -5578,7 +5602,7 @@
     </p:spTree>
     <p:extLst>
       <p:ext uri="{BB962C8B-B14F-4D97-AF65-F5344CB8AC3E}">
-        <p14:creationId xmlns:p14="http://schemas.microsoft.com/office/powerpoint/2010/main" val="3320095786"/>
+        <p14:creationId xmlns:p14="http://schemas.microsoft.com/office/powerpoint/2010/main" val="3034991111"/>
       </p:ext>
     </p:extLst>
   </p:cSld>
@@ -5621,28 +5645,8 @@
           <a:lstStyle/>
           <a:p>
             <a:r>
-              <a:rPr lang="en-US" dirty="0" err="1" smtClean="0"/>
-              <a:t>Apoio</a:t>
-            </a:r>
-            <a:r>
-              <a:rPr lang="en-US" dirty="0" smtClean="0"/>
-              <a:t> </a:t>
-            </a:r>
-            <a:r>
-              <a:rPr lang="en-US" dirty="0" err="1" smtClean="0"/>
-              <a:t>ao</a:t>
-            </a:r>
-            <a:r>
-              <a:rPr lang="en-US" dirty="0" smtClean="0"/>
-              <a:t> </a:t>
-            </a:r>
-            <a:r>
-              <a:rPr lang="en-US" dirty="0" err="1" smtClean="0"/>
-              <a:t>dev</a:t>
-            </a:r>
-            <a:r>
-              <a:rPr lang="en-US" dirty="0" smtClean="0"/>
-              <a:t>/designer</a:t>
+              <a:rPr lang="en-US" dirty="0" smtClean="0"/>
+              <a:t>DEVOPS</a:t>
             </a:r>
             <a:endParaRPr lang="en-US" dirty="0"/>
           </a:p>
@@ -5660,200 +5664,47 @@
         </p:nvSpPr>
         <p:spPr/>
         <p:txBody>
-          <a:bodyPr>
-            <a:normAutofit lnSpcReduction="10000"/>
-          </a:bodyPr>
+          <a:bodyPr/>
           <a:lstStyle/>
           <a:p>
             <a:r>
-              <a:rPr lang="en-US" dirty="0" err="1" smtClean="0"/>
-              <a:t>Dev</a:t>
-            </a:r>
-            <a:r>
-              <a:rPr lang="en-US" dirty="0" smtClean="0"/>
-              <a:t> </a:t>
-            </a:r>
-            <a:r>
-              <a:rPr lang="en-US" dirty="0" err="1" smtClean="0"/>
-              <a:t>usufrui</a:t>
-            </a:r>
-            <a:r>
-              <a:rPr lang="en-US" dirty="0" smtClean="0"/>
-              <a:t> de n </a:t>
-            </a:r>
-            <a:r>
-              <a:rPr lang="en-US" dirty="0" err="1" smtClean="0"/>
-              <a:t>vantagens</a:t>
-            </a:r>
-            <a:r>
-              <a:rPr lang="en-US" dirty="0" smtClean="0"/>
-              <a:t> </a:t>
-            </a:r>
-            <a:r>
-              <a:rPr lang="en-US" dirty="0" err="1" smtClean="0"/>
-              <a:t>hoje</a:t>
-            </a:r>
-            <a:r>
-              <a:rPr lang="en-US" dirty="0" smtClean="0"/>
-              <a:t> </a:t>
-            </a:r>
-            <a:r>
-              <a:rPr lang="en-US" dirty="0" err="1" smtClean="0"/>
-              <a:t>j</a:t>
-            </a:r>
-            <a:r>
-              <a:rPr lang="en-US" dirty="0" err="1" smtClean="0"/>
-              <a:t>á</a:t>
-            </a:r>
-            <a:endParaRPr lang="en-US" dirty="0" smtClean="0"/>
+              <a:rPr lang="en-US" dirty="0" smtClean="0"/>
+              <a:t>DEMO</a:t>
+            </a:r>
           </a:p>
           <a:p>
             <a:pPr lvl="1"/>
             <a:r>
-              <a:rPr lang="en-US" dirty="0" smtClean="0"/>
-              <a:t>Tester</a:t>
-            </a:r>
-          </a:p>
-          <a:p>
-            <a:pPr lvl="1"/>
-            <a:r>
-              <a:rPr lang="en-US" dirty="0" smtClean="0"/>
-              <a:t>Code monitors</a:t>
-            </a:r>
-          </a:p>
-          <a:p>
-            <a:pPr lvl="1"/>
-            <a:r>
-              <a:rPr lang="en-US" dirty="0" smtClean="0"/>
-              <a:t>Scaffolds (Yeoman, MEAN, </a:t>
-            </a:r>
-            <a:r>
-              <a:rPr lang="en-US" dirty="0" err="1" smtClean="0"/>
-              <a:t>HotTowel</a:t>
-            </a:r>
-            <a:r>
-              <a:rPr lang="en-US" dirty="0" smtClean="0"/>
-              <a:t>) </a:t>
-            </a:r>
-          </a:p>
-          <a:p>
-            <a:pPr lvl="1"/>
-            <a:r>
-              <a:rPr lang="en-US" dirty="0" smtClean="0"/>
-              <a:t>Bower</a:t>
-            </a:r>
-          </a:p>
-          <a:p>
-            <a:pPr lvl="1"/>
-            <a:r>
-              <a:rPr lang="en-US" dirty="0" smtClean="0"/>
-              <a:t>NPM</a:t>
-            </a:r>
-          </a:p>
-          <a:p>
-            <a:pPr lvl="1"/>
-            <a:r>
-              <a:rPr lang="en-US" dirty="0" err="1" smtClean="0"/>
-              <a:t>NodeMon</a:t>
-            </a:r>
-            <a:r>
-              <a:rPr lang="en-US" dirty="0" smtClean="0"/>
-              <a:t> </a:t>
-            </a:r>
-          </a:p>
-          <a:p>
-            <a:pPr lvl="1"/>
-            <a:endParaRPr lang="en-US" dirty="0" smtClean="0"/>
-          </a:p>
-          <a:p>
-            <a:r>
-              <a:rPr lang="en-US" dirty="0"/>
-              <a:t>Task runners </a:t>
-            </a:r>
-            <a:r>
-              <a:rPr lang="en-US" dirty="0" err="1"/>
-              <a:t>em</a:t>
+              <a:rPr lang="en-US" dirty="0" err="1" smtClean="0"/>
+              <a:t>Criar</a:t>
             </a:r>
             <a:r>
               <a:rPr lang="en-US" dirty="0"/>
               <a:t> </a:t>
             </a:r>
             <a:r>
-              <a:rPr lang="en-US" dirty="0" err="1"/>
-              <a:t>geral</a:t>
-            </a:r>
+              <a:rPr lang="en-US" dirty="0" smtClean="0"/>
+              <a:t>s3bucket </a:t>
+            </a:r>
+          </a:p>
+          <a:p>
+            <a:pPr lvl="1"/>
             <a:endParaRPr lang="en-US" dirty="0"/>
           </a:p>
           <a:p>
-            <a:r>
-              <a:rPr lang="en-US" dirty="0" err="1"/>
-              <a:t>Rotinas</a:t>
-            </a:r>
-            <a:r>
-              <a:rPr lang="en-US" dirty="0"/>
-              <a:t> de </a:t>
-            </a:r>
-            <a:r>
-              <a:rPr lang="en-US" dirty="0" err="1" smtClean="0"/>
-              <a:t>conversão</a:t>
-            </a:r>
-            <a:r>
-              <a:rPr lang="en-US" dirty="0" smtClean="0"/>
-              <a:t> </a:t>
-            </a:r>
-            <a:r>
-              <a:rPr lang="en-US" dirty="0"/>
-              <a:t>de </a:t>
-            </a:r>
-            <a:r>
-              <a:rPr lang="en-US" dirty="0" err="1"/>
-              <a:t>imagens</a:t>
-            </a:r>
-            <a:r>
-              <a:rPr lang="en-US" dirty="0"/>
-              <a:t> </a:t>
-            </a:r>
-            <a:r>
-              <a:rPr lang="en-US" dirty="0" err="1"/>
-              <a:t>em</a:t>
-            </a:r>
-            <a:r>
-              <a:rPr lang="en-US" dirty="0"/>
-              <a:t> </a:t>
-            </a:r>
-            <a:r>
-              <a:rPr lang="en-US" dirty="0" err="1" smtClean="0"/>
-              <a:t>massa</a:t>
-            </a:r>
-            <a:r>
-              <a:rPr lang="en-US" dirty="0" smtClean="0"/>
-              <a:t> (???)</a:t>
+            <a:pPr lvl="1"/>
+            <a:r>
+              <a:rPr lang="en-US" dirty="0" smtClean="0"/>
+              <a:t>Continuous Deployment</a:t>
             </a:r>
             <a:endParaRPr lang="en-US" dirty="0"/>
-          </a:p>
-          <a:p>
-            <a:endParaRPr lang="en-US" dirty="0"/>
-          </a:p>
-          <a:p>
-            <a:pPr lvl="1"/>
-            <a:endParaRPr lang="en-US" dirty="0" smtClean="0"/>
-          </a:p>
-          <a:p>
-            <a:pPr marL="282575" lvl="1" indent="0">
-              <a:buNone/>
-            </a:pPr>
-            <a:endParaRPr lang="en-US" dirty="0" smtClean="0"/>
-          </a:p>
-          <a:p>
-            <a:pPr lvl="1"/>
-            <a:endParaRPr lang="en-US" dirty="0" smtClean="0"/>
           </a:p>
         </p:txBody>
       </p:sp>
     </p:spTree>
     <p:extLst>
       <p:ext uri="{BB962C8B-B14F-4D97-AF65-F5344CB8AC3E}">
-        <p14:creationId xmlns:p14="http://schemas.microsoft.com/office/powerpoint/2010/main" val="2863402974"/>
+        <p14:creationId xmlns:p14="http://schemas.microsoft.com/office/powerpoint/2010/main" val="3320095786"/>
       </p:ext>
     </p:extLst>
   </p:cSld>
@@ -5896,14 +5747,30 @@
           <a:lstStyle/>
           <a:p>
             <a:r>
-              <a:rPr lang="en-US" sz="4400" dirty="0" smtClean="0"/>
-              <a:t>Demo </a:t>
-            </a:r>
-            <a:r>
-              <a:rPr lang="en-US" sz="4400" dirty="0" err="1" smtClean="0"/>
+              <a:rPr lang="en-US" dirty="0" err="1" smtClean="0"/>
+              <a:t>Apoio</a:t>
+            </a:r>
+            <a:r>
+              <a:rPr lang="en-US" dirty="0" smtClean="0"/>
+              <a:t> </a:t>
+            </a:r>
+            <a:r>
+              <a:rPr lang="en-US" dirty="0" err="1" smtClean="0"/>
+              <a:t>ao</a:t>
+            </a:r>
+            <a:r>
+              <a:rPr lang="en-US" dirty="0" smtClean="0"/>
+              <a:t> </a:t>
+            </a:r>
+            <a:r>
+              <a:rPr lang="en-US" dirty="0" err="1" smtClean="0"/>
               <a:t>dev</a:t>
             </a:r>
-            <a:endParaRPr lang="en-US" sz="4400" dirty="0"/>
+            <a:r>
+              <a:rPr lang="en-US" dirty="0" smtClean="0"/>
+              <a:t>/designer</a:t>
+            </a:r>
+            <a:endParaRPr lang="en-US" dirty="0"/>
           </a:p>
         </p:txBody>
       </p:sp>
@@ -5919,32 +5786,196 @@
         </p:nvSpPr>
         <p:spPr/>
         <p:txBody>
-          <a:bodyPr/>
+          <a:bodyPr>
+            <a:normAutofit lnSpcReduction="10000"/>
+          </a:bodyPr>
           <a:lstStyle/>
           <a:p>
             <a:r>
+              <a:rPr lang="en-US" dirty="0" err="1" smtClean="0"/>
+              <a:t>Dev</a:t>
+            </a:r>
+            <a:r>
+              <a:rPr lang="en-US" dirty="0" smtClean="0"/>
+              <a:t> </a:t>
+            </a:r>
+            <a:r>
+              <a:rPr lang="en-US" dirty="0" err="1" smtClean="0"/>
+              <a:t>usufrui</a:t>
+            </a:r>
+            <a:r>
+              <a:rPr lang="en-US" dirty="0" smtClean="0"/>
+              <a:t> de n </a:t>
+            </a:r>
+            <a:r>
+              <a:rPr lang="en-US" dirty="0" err="1" smtClean="0"/>
+              <a:t>vantagens</a:t>
+            </a:r>
+            <a:r>
+              <a:rPr lang="en-US" dirty="0" smtClean="0"/>
+              <a:t> </a:t>
+            </a:r>
+            <a:r>
+              <a:rPr lang="en-US" dirty="0" err="1" smtClean="0"/>
+              <a:t>hoje</a:t>
+            </a:r>
+            <a:r>
+              <a:rPr lang="en-US" dirty="0" smtClean="0"/>
+              <a:t> </a:t>
+            </a:r>
+            <a:r>
+              <a:rPr lang="en-US" dirty="0" err="1" smtClean="0"/>
+              <a:t>já</a:t>
+            </a:r>
+            <a:endParaRPr lang="en-US" dirty="0" smtClean="0"/>
+          </a:p>
+          <a:p>
+            <a:pPr lvl="1"/>
+            <a:r>
+              <a:rPr lang="en-US" dirty="0" smtClean="0"/>
+              <a:t>Tester</a:t>
+            </a:r>
+          </a:p>
+          <a:p>
+            <a:pPr lvl="1"/>
+            <a:r>
+              <a:rPr lang="en-US" dirty="0" smtClean="0"/>
+              <a:t>Code monitors</a:t>
+            </a:r>
+          </a:p>
+          <a:p>
+            <a:pPr lvl="1"/>
+            <a:r>
+              <a:rPr lang="en-US" dirty="0" smtClean="0"/>
+              <a:t>Scaffolds (Yeoman, MEAN, </a:t>
+            </a:r>
+            <a:r>
+              <a:rPr lang="en-US" dirty="0" err="1" smtClean="0"/>
+              <a:t>HotTowel</a:t>
+            </a:r>
+            <a:r>
+              <a:rPr lang="en-US" dirty="0" smtClean="0"/>
+              <a:t>) </a:t>
+            </a:r>
+          </a:p>
+          <a:p>
+            <a:pPr lvl="1"/>
+            <a:r>
+              <a:rPr lang="en-US" dirty="0" smtClean="0"/>
+              <a:t>Bower</a:t>
+            </a:r>
+          </a:p>
+          <a:p>
+            <a:pPr lvl="1"/>
+            <a:r>
+              <a:rPr lang="en-US" dirty="0" smtClean="0"/>
+              <a:t>NPM</a:t>
+            </a:r>
+          </a:p>
+          <a:p>
+            <a:pPr lvl="1"/>
+            <a:r>
+              <a:rPr lang="en-US" dirty="0" err="1" smtClean="0"/>
+              <a:t>NodeMon</a:t>
+            </a:r>
+            <a:r>
+              <a:rPr lang="en-US" dirty="0" smtClean="0"/>
+              <a:t> </a:t>
+            </a:r>
+          </a:p>
+          <a:p>
+            <a:pPr lvl="1"/>
+            <a:endParaRPr lang="en-US" dirty="0" smtClean="0"/>
+          </a:p>
+          <a:p>
+            <a:r>
               <a:rPr lang="en-US" dirty="0"/>
-              <a:t>Subset </a:t>
+              <a:t>Task runners </a:t>
             </a:r>
             <a:r>
               <a:rPr lang="en-US" dirty="0" err="1"/>
-              <a:t>instalador</a:t>
+              <a:t>em</a:t>
             </a:r>
             <a:r>
               <a:rPr lang="en-US" dirty="0"/>
-              <a:t>/</a:t>
-            </a:r>
-            <a:r>
-              <a:rPr lang="en-US" dirty="0" smtClean="0"/>
-              <a:t>e4e5</a:t>
-            </a:r>
+              <a:t> </a:t>
+            </a:r>
+            <a:r>
+              <a:rPr lang="en-US" dirty="0" err="1"/>
+              <a:t>geral</a:t>
+            </a:r>
+            <a:endParaRPr lang="en-US" dirty="0"/>
+          </a:p>
+          <a:p>
+            <a:r>
+              <a:rPr lang="en-US" dirty="0" err="1"/>
+              <a:t>Rotinas</a:t>
+            </a:r>
+            <a:r>
+              <a:rPr lang="en-US" dirty="0"/>
+              <a:t> de </a:t>
+            </a:r>
+            <a:r>
+              <a:rPr lang="en-US" dirty="0" err="1" smtClean="0"/>
+              <a:t>conversão</a:t>
+            </a:r>
+            <a:r>
+              <a:rPr lang="en-US" dirty="0" smtClean="0"/>
+              <a:t> </a:t>
+            </a:r>
+            <a:r>
+              <a:rPr lang="en-US" dirty="0"/>
+              <a:t>de </a:t>
+            </a:r>
+            <a:r>
+              <a:rPr lang="en-US" dirty="0" err="1"/>
+              <a:t>imagens</a:t>
+            </a:r>
+            <a:r>
+              <a:rPr lang="en-US" dirty="0"/>
+              <a:t> </a:t>
+            </a:r>
+            <a:r>
+              <a:rPr lang="en-US" dirty="0" err="1"/>
+              <a:t>em</a:t>
+            </a:r>
+            <a:r>
+              <a:rPr lang="en-US" dirty="0"/>
+              <a:t> </a:t>
+            </a:r>
+            <a:r>
+              <a:rPr lang="en-US" dirty="0" err="1" smtClean="0"/>
+              <a:t>massa</a:t>
+            </a:r>
+            <a:r>
+              <a:rPr lang="en-US" dirty="0" smtClean="0"/>
+              <a:t> (???)</a:t>
+            </a:r>
+            <a:endParaRPr lang="en-US" dirty="0"/>
+          </a:p>
+          <a:p>
+            <a:endParaRPr lang="en-US" dirty="0"/>
+          </a:p>
+          <a:p>
+            <a:pPr lvl="1"/>
+            <a:endParaRPr lang="en-US" dirty="0" smtClean="0"/>
+          </a:p>
+          <a:p>
+            <a:pPr marL="282575" lvl="1" indent="0">
+              <a:buNone/>
+            </a:pPr>
+            <a:endParaRPr lang="en-US" dirty="0" smtClean="0"/>
+          </a:p>
+          <a:p>
+            <a:pPr lvl="1"/>
+            <a:endParaRPr lang="en-US" dirty="0" smtClean="0"/>
           </a:p>
         </p:txBody>
       </p:sp>
     </p:spTree>
     <p:extLst>
       <p:ext uri="{BB962C8B-B14F-4D97-AF65-F5344CB8AC3E}">
-        <p14:creationId xmlns:p14="http://schemas.microsoft.com/office/powerpoint/2010/main" val="2028357157"/>
+        <p14:creationId xmlns:p14="http://schemas.microsoft.com/office/powerpoint/2010/main" val="2863402974"/>
       </p:ext>
     </p:extLst>
   </p:cSld>
@@ -5987,22 +6018,14 @@
           <a:lstStyle/>
           <a:p>
             <a:r>
-              <a:rPr lang="en-US" sz="4000" dirty="0"/>
-              <a:t>Application </a:t>
-            </a:r>
-            <a:r>
-              <a:rPr lang="en-US" sz="4000" dirty="0" smtClean="0"/>
-              <a:t>AND </a:t>
-            </a:r>
-            <a:r>
-              <a:rPr lang="en-US" sz="4000" dirty="0"/>
-              <a:t>integration </a:t>
-            </a:r>
-            <a:r>
-              <a:rPr lang="en-US" sz="4000" dirty="0" smtClean="0"/>
-              <a:t>server</a:t>
-            </a:r>
-            <a:endParaRPr lang="en-US" sz="4000" dirty="0"/>
+              <a:rPr lang="en-US" sz="4400" dirty="0" smtClean="0"/>
+              <a:t>Demo </a:t>
+            </a:r>
+            <a:r>
+              <a:rPr lang="en-US" sz="4400" dirty="0" err="1" smtClean="0"/>
+              <a:t>dev</a:t>
+            </a:r>
+            <a:endParaRPr lang="en-US" sz="4400" dirty="0"/>
           </a:p>
         </p:txBody>
       </p:sp>
@@ -6022,82 +6045,28 @@
           <a:lstStyle/>
           <a:p>
             <a:r>
-              <a:rPr lang="en-US" dirty="0" smtClean="0"/>
-              <a:t>Ideal </a:t>
-            </a:r>
-            <a:r>
-              <a:rPr lang="en-US" dirty="0" err="1" smtClean="0"/>
-              <a:t>para</a:t>
-            </a:r>
-            <a:endParaRPr lang="en-US" dirty="0" smtClean="0"/>
-          </a:p>
-          <a:p>
-            <a:pPr lvl="1"/>
-            <a:r>
-              <a:rPr lang="en-US" dirty="0" err="1" smtClean="0"/>
-              <a:t>integrar</a:t>
-            </a:r>
-            <a:r>
-              <a:rPr lang="en-US" dirty="0" smtClean="0"/>
-              <a:t> </a:t>
-            </a:r>
-            <a:r>
-              <a:rPr lang="en-US" dirty="0" err="1" smtClean="0"/>
-              <a:t>sistemas</a:t>
-            </a:r>
-            <a:endParaRPr lang="en-US" dirty="0" smtClean="0"/>
-          </a:p>
-          <a:p>
-            <a:pPr lvl="1"/>
+              <a:rPr lang="en-US" dirty="0"/>
+              <a:t>Subset </a:t>
+            </a:r>
             <a:r>
               <a:rPr lang="en-US" dirty="0" err="1"/>
-              <a:t>e</a:t>
-            </a:r>
-            <a:r>
-              <a:rPr lang="en-US" dirty="0" err="1" smtClean="0"/>
-              <a:t>screver</a:t>
-            </a:r>
-            <a:r>
-              <a:rPr lang="en-US" dirty="0" smtClean="0"/>
-              <a:t> </a:t>
-            </a:r>
-            <a:r>
-              <a:rPr lang="en-US" dirty="0" err="1" smtClean="0"/>
-              <a:t>Rob</a:t>
-            </a:r>
-            <a:r>
-              <a:rPr lang="en-US" dirty="0" err="1" smtClean="0"/>
-              <a:t>ô</a:t>
-            </a:r>
-            <a:r>
-              <a:rPr lang="en-US" dirty="0" err="1" smtClean="0"/>
-              <a:t>s</a:t>
-            </a:r>
-            <a:r>
-              <a:rPr lang="en-US" dirty="0" smtClean="0"/>
-              <a:t> </a:t>
-            </a:r>
-          </a:p>
-          <a:p>
-            <a:pPr lvl="1"/>
-            <a:r>
-              <a:rPr lang="en-US" dirty="0" smtClean="0"/>
-              <a:t>Crawlers</a:t>
-            </a:r>
-          </a:p>
-          <a:p>
-            <a:pPr lvl="1"/>
-            <a:endParaRPr lang="en-US" dirty="0" smtClean="0"/>
-          </a:p>
-          <a:p>
-            <a:endParaRPr lang="en-US" dirty="0"/>
+              <a:t>instalador</a:t>
+            </a:r>
+            <a:r>
+              <a:rPr lang="en-US" dirty="0"/>
+              <a:t>/</a:t>
+            </a:r>
+            <a:r>
+              <a:rPr lang="en-US" dirty="0" smtClean="0"/>
+              <a:t>e4e5</a:t>
+            </a:r>
           </a:p>
         </p:txBody>
       </p:sp>
     </p:spTree>
     <p:extLst>
       <p:ext uri="{BB962C8B-B14F-4D97-AF65-F5344CB8AC3E}">
-        <p14:creationId xmlns:p14="http://schemas.microsoft.com/office/powerpoint/2010/main" val="3137977655"/>
+        <p14:creationId xmlns:p14="http://schemas.microsoft.com/office/powerpoint/2010/main" val="2028357157"/>
       </p:ext>
     </p:extLst>
   </p:cSld>
@@ -6140,6 +6109,151 @@
           <a:lstStyle/>
           <a:p>
             <a:r>
+              <a:rPr lang="en-US" sz="4000" dirty="0"/>
+              <a:t>Application </a:t>
+            </a:r>
+            <a:r>
+              <a:rPr lang="en-US" sz="4000" dirty="0" smtClean="0"/>
+              <a:t>AND </a:t>
+            </a:r>
+            <a:r>
+              <a:rPr lang="en-US" sz="4000" dirty="0"/>
+              <a:t>integration </a:t>
+            </a:r>
+            <a:r>
+              <a:rPr lang="en-US" sz="4000" dirty="0" smtClean="0"/>
+              <a:t>server</a:t>
+            </a:r>
+            <a:endParaRPr lang="en-US" sz="4000" dirty="0"/>
+          </a:p>
+        </p:txBody>
+      </p:sp>
+      <p:sp>
+        <p:nvSpPr>
+          <p:cNvPr id="3" name="Content Placeholder 2"/>
+          <p:cNvSpPr>
+            <a:spLocks noGrp="1"/>
+          </p:cNvSpPr>
+          <p:nvPr>
+            <p:ph idx="1"/>
+          </p:nvPr>
+        </p:nvSpPr>
+        <p:spPr/>
+        <p:txBody>
+          <a:bodyPr/>
+          <a:lstStyle/>
+          <a:p>
+            <a:r>
+              <a:rPr lang="en-US" dirty="0" smtClean="0"/>
+              <a:t>Ideal </a:t>
+            </a:r>
+            <a:r>
+              <a:rPr lang="en-US" dirty="0" err="1" smtClean="0"/>
+              <a:t>para</a:t>
+            </a:r>
+            <a:endParaRPr lang="en-US" dirty="0" smtClean="0"/>
+          </a:p>
+          <a:p>
+            <a:pPr lvl="1"/>
+            <a:r>
+              <a:rPr lang="en-US" dirty="0" err="1" smtClean="0"/>
+              <a:t>integrar</a:t>
+            </a:r>
+            <a:r>
+              <a:rPr lang="en-US" dirty="0" smtClean="0"/>
+              <a:t> </a:t>
+            </a:r>
+            <a:r>
+              <a:rPr lang="en-US" dirty="0" err="1" smtClean="0"/>
+              <a:t>sistemas</a:t>
+            </a:r>
+            <a:endParaRPr lang="en-US" dirty="0" smtClean="0"/>
+          </a:p>
+          <a:p>
+            <a:pPr lvl="1"/>
+            <a:r>
+              <a:rPr lang="en-US" dirty="0" err="1"/>
+              <a:t>e</a:t>
+            </a:r>
+            <a:r>
+              <a:rPr lang="en-US" dirty="0" err="1" smtClean="0"/>
+              <a:t>screver</a:t>
+            </a:r>
+            <a:r>
+              <a:rPr lang="en-US" dirty="0" smtClean="0"/>
+              <a:t> </a:t>
+            </a:r>
+            <a:r>
+              <a:rPr lang="en-US" dirty="0" err="1" smtClean="0"/>
+              <a:t>Robôs</a:t>
+            </a:r>
+            <a:r>
+              <a:rPr lang="en-US" dirty="0" smtClean="0"/>
+              <a:t> </a:t>
+            </a:r>
+          </a:p>
+          <a:p>
+            <a:pPr lvl="1"/>
+            <a:r>
+              <a:rPr lang="en-US" dirty="0" smtClean="0"/>
+              <a:t>Crawlers</a:t>
+            </a:r>
+          </a:p>
+          <a:p>
+            <a:pPr lvl="1"/>
+            <a:endParaRPr lang="en-US" dirty="0" smtClean="0"/>
+          </a:p>
+          <a:p>
+            <a:endParaRPr lang="en-US" dirty="0"/>
+          </a:p>
+        </p:txBody>
+      </p:sp>
+    </p:spTree>
+    <p:extLst>
+      <p:ext uri="{BB962C8B-B14F-4D97-AF65-F5344CB8AC3E}">
+        <p14:creationId xmlns:p14="http://schemas.microsoft.com/office/powerpoint/2010/main" val="3137977655"/>
+      </p:ext>
+    </p:extLst>
+  </p:cSld>
+  <p:clrMapOvr>
+    <a:masterClrMapping/>
+  </p:clrMapOvr>
+</p:sld>
+</file>
+
+<file path=ppt/slides/slide16.xml><?xml version="1.0" encoding="utf-8"?>
+<p:sld xmlns:a="http://schemas.openxmlformats.org/drawingml/2006/main" xmlns:r="http://schemas.openxmlformats.org/officeDocument/2006/relationships" xmlns:p="http://schemas.openxmlformats.org/presentationml/2006/main">
+  <p:cSld>
+    <p:spTree>
+      <p:nvGrpSpPr>
+        <p:cNvPr id="1" name=""/>
+        <p:cNvGrpSpPr/>
+        <p:nvPr/>
+      </p:nvGrpSpPr>
+      <p:grpSpPr>
+        <a:xfrm>
+          <a:off x="0" y="0"/>
+          <a:ext cx="0" cy="0"/>
+          <a:chOff x="0" y="0"/>
+          <a:chExt cx="0" cy="0"/>
+        </a:xfrm>
+      </p:grpSpPr>
+      <p:sp>
+        <p:nvSpPr>
+          <p:cNvPr id="2" name="Title 1"/>
+          <p:cNvSpPr>
+            <a:spLocks noGrp="1"/>
+          </p:cNvSpPr>
+          <p:nvPr>
+            <p:ph type="title"/>
+          </p:nvPr>
+        </p:nvSpPr>
+        <p:spPr/>
+        <p:txBody>
+          <a:bodyPr/>
+          <a:lstStyle/>
+          <a:p>
+            <a:r>
               <a:rPr lang="en-US" dirty="0" smtClean="0"/>
               <a:t>END</a:t>
             </a:r>
@@ -6190,11 +6304,7 @@
             <a:pPr lvl="2"/>
             <a:r>
               <a:rPr lang="en-US" dirty="0" err="1" smtClean="0"/>
-              <a:t>C</a:t>
-            </a:r>
-            <a:r>
-              <a:rPr lang="en-US" dirty="0" err="1" smtClean="0"/>
-              <a:t>ódigo</a:t>
+              <a:t>Código</a:t>
             </a:r>
             <a:endParaRPr lang="en-US" dirty="0" smtClean="0"/>
           </a:p>
@@ -6284,11 +6394,7 @@
           <a:p>
             <a:r>
               <a:rPr lang="en-US" dirty="0" smtClean="0"/>
-              <a:t>End </a:t>
-            </a:r>
-            <a:r>
-              <a:rPr lang="en-US" dirty="0" smtClean="0"/>
-              <a:t>points</a:t>
+              <a:t>End points</a:t>
             </a:r>
           </a:p>
           <a:p>
@@ -6447,11 +6553,7 @@
           <a:p>
             <a:r>
               <a:rPr lang="en-US" dirty="0" err="1" smtClean="0"/>
-              <a:t>Experi</a:t>
-            </a:r>
-            <a:r>
-              <a:rPr lang="en-US" dirty="0" err="1" smtClean="0"/>
-              <a:t>ência</a:t>
+              <a:t>Experiência</a:t>
             </a:r>
             <a:endParaRPr lang="en-US" dirty="0"/>
           </a:p>
@@ -6488,11 +6590,7 @@
             </a:r>
             <a:r>
               <a:rPr lang="en-US" dirty="0" err="1" smtClean="0"/>
-              <a:t>c</a:t>
-            </a:r>
-            <a:r>
-              <a:rPr lang="en-US" dirty="0" err="1" smtClean="0"/>
-              <a:t>ódigo</a:t>
+              <a:t>código</a:t>
             </a:r>
             <a:endParaRPr lang="en-US" dirty="0" smtClean="0"/>
           </a:p>
@@ -6614,11 +6712,7 @@
             </a:r>
             <a:r>
               <a:rPr lang="en-US" dirty="0" err="1" smtClean="0"/>
-              <a:t>comunit</a:t>
-            </a:r>
-            <a:r>
-              <a:rPr lang="en-US" dirty="0" err="1" smtClean="0"/>
-              <a:t>ário</a:t>
+              <a:t>comunitário</a:t>
             </a:r>
             <a:r>
               <a:rPr lang="en-US" dirty="0" smtClean="0"/>
@@ -7209,7 +7303,6 @@
               <a:rPr lang="en-US" b="1" dirty="0" smtClean="0"/>
               <a:t>)</a:t>
             </a:r>
-            <a:endParaRPr lang="en-US" b="1" dirty="0" smtClean="0"/>
           </a:p>
           <a:p>
             <a:pPr lvl="1"/>
@@ -7434,11 +7527,7 @@
             <a:pPr lvl="1"/>
             <a:r>
               <a:rPr lang="en-US" dirty="0" err="1" smtClean="0"/>
-              <a:t>F</a:t>
-            </a:r>
-            <a:r>
-              <a:rPr lang="en-US" dirty="0" err="1" smtClean="0"/>
-              <a:t>ácil</a:t>
+              <a:t>Fácil</a:t>
             </a:r>
             <a:r>
               <a:rPr lang="en-US" dirty="0" smtClean="0"/>
@@ -7461,20 +7550,16 @@
           <a:p>
             <a:pPr lvl="1"/>
             <a:r>
-              <a:rPr lang="en-US" dirty="0" smtClean="0"/>
-              <a:t>Ideal </a:t>
-            </a:r>
-            <a:r>
-              <a:rPr lang="en-US" dirty="0" err="1" smtClean="0"/>
-              <a:t>para</a:t>
-            </a:r>
-            <a:r>
-              <a:rPr lang="en-US" dirty="0" smtClean="0"/>
-              <a:t> </a:t>
-            </a:r>
-            <a:r>
-              <a:rPr lang="en-US" dirty="0" err="1" smtClean="0"/>
-              <a:t>prototipação</a:t>
+              <a:rPr lang="en-US" dirty="0" err="1" smtClean="0"/>
+              <a:t>Serverless</a:t>
+            </a:r>
+            <a:r>
+              <a:rPr lang="en-US" dirty="0" smtClean="0"/>
+              <a:t> e </a:t>
+            </a:r>
+            <a:r>
+              <a:rPr lang="en-US" smtClean="0"/>
+              <a:t>Microservices</a:t>
             </a:r>
             <a:endParaRPr lang="en-US" dirty="0" smtClean="0"/>
           </a:p>
